--- a/prezentacie/c07w.pptx
+++ b/prezentacie/c07w.pptx
@@ -1,6 +1,6 @@
 
 <file path=ppt/presentation.xml><?xml version="1.0" encoding="utf-8"?>
-<p:presentation xmlns:a="http://schemas.openxmlformats.org/drawingml/2006/main" xmlns:r="http://schemas.openxmlformats.org/officeDocument/2006/relationships" xmlns:p="http://schemas.openxmlformats.org/presentationml/2006/main" saveSubsetFonts="1" bookmarkIdSeed="2">
+<p:presentation xmlns:a="http://schemas.openxmlformats.org/drawingml/2006/main" xmlns:r="http://schemas.openxmlformats.org/officeDocument/2006/relationships" xmlns:p="http://schemas.openxmlformats.org/presentationml/2006/main" saveSubsetFonts="1" bookmarkIdSeed="3">
   <p:sldMasterIdLst>
     <p:sldMasterId id="2147483696" r:id="rId1"/>
   </p:sldMasterIdLst>
@@ -8,16 +8,11 @@
     <p:sldId id="266" r:id="rId2"/>
     <p:sldId id="257" r:id="rId3"/>
     <p:sldId id="269" r:id="rId4"/>
-    <p:sldId id="288" r:id="rId5"/>
+    <p:sldId id="298" r:id="rId5"/>
     <p:sldId id="289" r:id="rId6"/>
     <p:sldId id="290" r:id="rId7"/>
-    <p:sldId id="291" r:id="rId8"/>
-    <p:sldId id="292" r:id="rId9"/>
-    <p:sldId id="293" r:id="rId10"/>
-    <p:sldId id="294" r:id="rId11"/>
-    <p:sldId id="295" r:id="rId12"/>
-    <p:sldId id="296" r:id="rId13"/>
-    <p:sldId id="297" r:id="rId14"/>
+    <p:sldId id="299" r:id="rId8"/>
+    <p:sldId id="291" r:id="rId9"/>
   </p:sldIdLst>
   <p:sldSz cx="12192000" cy="6858000"/>
   <p:notesSz cx="6858000" cy="9144000"/>
@@ -255,7 +250,7 @@
           <a:p>
             <a:fld id="{10052495-8BC8-4CFB-94B1-B0429F101A0D}" type="datetimeFigureOut">
               <a:rPr lang="sk-SK" smtClean="0"/>
-              <a:t>10. 10. 2025</a:t>
+              <a:t>23. 10. 2025</a:t>
             </a:fld>
             <a:endParaRPr lang="sk-SK"/>
           </a:p>
@@ -425,7 +420,7 @@
           <a:p>
             <a:fld id="{10052495-8BC8-4CFB-94B1-B0429F101A0D}" type="datetimeFigureOut">
               <a:rPr lang="sk-SK" smtClean="0"/>
-              <a:t>10. 10. 2025</a:t>
+              <a:t>23. 10. 2025</a:t>
             </a:fld>
             <a:endParaRPr lang="sk-SK"/>
           </a:p>
@@ -605,7 +600,7 @@
           <a:p>
             <a:fld id="{10052495-8BC8-4CFB-94B1-B0429F101A0D}" type="datetimeFigureOut">
               <a:rPr lang="sk-SK" smtClean="0"/>
-              <a:t>10. 10. 2025</a:t>
+              <a:t>23. 10. 2025</a:t>
             </a:fld>
             <a:endParaRPr lang="sk-SK"/>
           </a:p>
@@ -775,7 +770,7 @@
           <a:p>
             <a:fld id="{10052495-8BC8-4CFB-94B1-B0429F101A0D}" type="datetimeFigureOut">
               <a:rPr lang="sk-SK" smtClean="0"/>
-              <a:t>10. 10. 2025</a:t>
+              <a:t>23. 10. 2025</a:t>
             </a:fld>
             <a:endParaRPr lang="sk-SK"/>
           </a:p>
@@ -1021,7 +1016,7 @@
           <a:p>
             <a:fld id="{10052495-8BC8-4CFB-94B1-B0429F101A0D}" type="datetimeFigureOut">
               <a:rPr lang="sk-SK" smtClean="0"/>
-              <a:t>10. 10. 2025</a:t>
+              <a:t>23. 10. 2025</a:t>
             </a:fld>
             <a:endParaRPr lang="sk-SK"/>
           </a:p>
@@ -1253,7 +1248,7 @@
           <a:p>
             <a:fld id="{10052495-8BC8-4CFB-94B1-B0429F101A0D}" type="datetimeFigureOut">
               <a:rPr lang="sk-SK" smtClean="0"/>
-              <a:t>10. 10. 2025</a:t>
+              <a:t>23. 10. 2025</a:t>
             </a:fld>
             <a:endParaRPr lang="sk-SK"/>
           </a:p>
@@ -1620,7 +1615,7 @@
           <a:p>
             <a:fld id="{10052495-8BC8-4CFB-94B1-B0429F101A0D}" type="datetimeFigureOut">
               <a:rPr lang="sk-SK" smtClean="0"/>
-              <a:t>10. 10. 2025</a:t>
+              <a:t>23. 10. 2025</a:t>
             </a:fld>
             <a:endParaRPr lang="sk-SK"/>
           </a:p>
@@ -1738,7 +1733,7 @@
           <a:p>
             <a:fld id="{10052495-8BC8-4CFB-94B1-B0429F101A0D}" type="datetimeFigureOut">
               <a:rPr lang="sk-SK" smtClean="0"/>
-              <a:t>10. 10. 2025</a:t>
+              <a:t>23. 10. 2025</a:t>
             </a:fld>
             <a:endParaRPr lang="sk-SK"/>
           </a:p>
@@ -1833,7 +1828,7 @@
           <a:p>
             <a:fld id="{10052495-8BC8-4CFB-94B1-B0429F101A0D}" type="datetimeFigureOut">
               <a:rPr lang="sk-SK" smtClean="0"/>
-              <a:t>10. 10. 2025</a:t>
+              <a:t>23. 10. 2025</a:t>
             </a:fld>
             <a:endParaRPr lang="sk-SK"/>
           </a:p>
@@ -2110,7 +2105,7 @@
           <a:p>
             <a:fld id="{10052495-8BC8-4CFB-94B1-B0429F101A0D}" type="datetimeFigureOut">
               <a:rPr lang="sk-SK" smtClean="0"/>
-              <a:t>10. 10. 2025</a:t>
+              <a:t>23. 10. 2025</a:t>
             </a:fld>
             <a:endParaRPr lang="sk-SK"/>
           </a:p>
@@ -2367,7 +2362,7 @@
           <a:p>
             <a:fld id="{10052495-8BC8-4CFB-94B1-B0429F101A0D}" type="datetimeFigureOut">
               <a:rPr lang="sk-SK" smtClean="0"/>
-              <a:t>10. 10. 2025</a:t>
+              <a:t>23. 10. 2025</a:t>
             </a:fld>
             <a:endParaRPr lang="sk-SK"/>
           </a:p>
@@ -2580,7 +2575,7 @@
           <a:p>
             <a:fld id="{10052495-8BC8-4CFB-94B1-B0429F101A0D}" type="datetimeFigureOut">
               <a:rPr lang="sk-SK" smtClean="0"/>
-              <a:t>10. 10. 2025</a:t>
+              <a:t>23. 10. 2025</a:t>
             </a:fld>
             <a:endParaRPr lang="sk-SK"/>
           </a:p>
@@ -3559,1256 +3554,6 @@
 </p:sld>
 </file>
 
-<file path=ppt/slides/slide10.xml><?xml version="1.0" encoding="utf-8"?>
-<p:sld xmlns:a="http://schemas.openxmlformats.org/drawingml/2006/main" xmlns:r="http://schemas.openxmlformats.org/officeDocument/2006/relationships" xmlns:p="http://schemas.openxmlformats.org/presentationml/2006/main">
-  <p:cSld>
-    <p:bg>
-      <p:bgPr>
-        <a:solidFill>
-          <a:schemeClr val="bg1"/>
-        </a:solidFill>
-        <a:effectLst/>
-      </p:bgPr>
-    </p:bg>
-    <p:spTree>
-      <p:nvGrpSpPr>
-        <p:cNvPr id="1" name="">
-          <a:extLst>
-            <a:ext uri="{FF2B5EF4-FFF2-40B4-BE49-F238E27FC236}">
-              <a16:creationId xmlns:a16="http://schemas.microsoft.com/office/drawing/2014/main" id="{60C260A4-CA2D-A013-55E5-F6C66D2A912A}"/>
-            </a:ext>
-          </a:extLst>
-        </p:cNvPr>
-        <p:cNvGrpSpPr/>
-        <p:nvPr/>
-      </p:nvGrpSpPr>
-      <p:grpSpPr>
-        <a:xfrm>
-          <a:off x="0" y="0"/>
-          <a:ext cx="0" cy="0"/>
-          <a:chOff x="0" y="0"/>
-          <a:chExt cx="0" cy="0"/>
-        </a:xfrm>
-      </p:grpSpPr>
-      <p:sp>
-        <p:nvSpPr>
-          <p:cNvPr id="3" name="Zástupný objekt pre obsah 2">
-            <a:extLst>
-              <a:ext uri="{FF2B5EF4-FFF2-40B4-BE49-F238E27FC236}">
-                <a16:creationId xmlns:a16="http://schemas.microsoft.com/office/drawing/2014/main" id="{B8F6E133-558B-4C4B-7FCF-9D95C467A1B4}"/>
-              </a:ext>
-            </a:extLst>
-          </p:cNvPr>
-          <p:cNvSpPr>
-            <a:spLocks noGrp="1"/>
-          </p:cNvSpPr>
-          <p:nvPr>
-            <p:ph idx="1"/>
-          </p:nvPr>
-        </p:nvSpPr>
-        <p:spPr>
-          <a:xfrm>
-            <a:off x="274320" y="1516550"/>
-            <a:ext cx="11759184" cy="4847673"/>
-          </a:xfrm>
-        </p:spPr>
-        <p:txBody>
-          <a:bodyPr>
-            <a:noAutofit/>
-          </a:bodyPr>
-          <a:lstStyle/>
-          <a:p>
-            <a:pPr marL="0" indent="0">
-              <a:lnSpc>
-                <a:spcPct val="100000"/>
-              </a:lnSpc>
-              <a:spcBef>
-                <a:spcPts val="0"/>
-              </a:spcBef>
-              <a:buNone/>
-            </a:pPr>
-            <a:r>
-              <a:rPr lang="sk-SK" dirty="0"/>
-              <a:t>Vytvorte nasledovné inštančné metódy v triede </a:t>
-            </a:r>
-            <a:r>
-              <a:rPr lang="sk-SK" dirty="0" err="1">
-                <a:highlight>
-                  <a:srgbClr val="FFFF00"/>
-                </a:highlight>
-                <a:latin typeface="Consolas" panose="020B0609020204030204" pitchFamily="49" charset="0"/>
-              </a:rPr>
-              <a:t>TextoveUI</a:t>
-            </a:r>
-            <a:r>
-              <a:rPr lang="sk-SK" dirty="0"/>
-              <a:t>. V kóde týchto metód použite atribút </a:t>
-            </a:r>
-            <a:r>
-              <a:rPr lang="sk-SK" dirty="0" err="1">
-                <a:highlight>
-                  <a:srgbClr val="FFFF00"/>
-                </a:highlight>
-                <a:latin typeface="Consolas" panose="020B0609020204030204" pitchFamily="49" charset="0"/>
-              </a:rPr>
-              <a:t>scanner</a:t>
-            </a:r>
-            <a:r>
-              <a:rPr lang="sk-SK" dirty="0"/>
-              <a:t> na načítanie hodnôt z klávesnice.</a:t>
-            </a:r>
-          </a:p>
-          <a:p>
-            <a:pPr marL="0" indent="0">
-              <a:lnSpc>
-                <a:spcPct val="100000"/>
-              </a:lnSpc>
-              <a:spcBef>
-                <a:spcPts val="0"/>
-              </a:spcBef>
-              <a:buNone/>
-            </a:pPr>
-            <a:endParaRPr lang="sk-SK" dirty="0"/>
-          </a:p>
-          <a:p>
-            <a:pPr marL="514350" indent="-514350">
-              <a:lnSpc>
-                <a:spcPct val="100000"/>
-              </a:lnSpc>
-              <a:spcBef>
-                <a:spcPts val="0"/>
-              </a:spcBef>
-              <a:buFont typeface="+mj-lt"/>
-              <a:buAutoNum type="arabicPeriod"/>
-            </a:pPr>
-            <a:r>
-              <a:rPr lang="sk-SK" dirty="0" err="1">
-                <a:highlight>
-                  <a:srgbClr val="FFFF00"/>
-                </a:highlight>
-                <a:latin typeface="Consolas" panose="020B0609020204030204" pitchFamily="49" charset="0"/>
-              </a:rPr>
-              <a:t>public</a:t>
-            </a:r>
-            <a:r>
-              <a:rPr lang="sk-SK" dirty="0">
-                <a:highlight>
-                  <a:srgbClr val="FFFF00"/>
-                </a:highlight>
-                <a:latin typeface="Consolas" panose="020B0609020204030204" pitchFamily="49" charset="0"/>
-              </a:rPr>
-              <a:t> </a:t>
-            </a:r>
-            <a:r>
-              <a:rPr lang="sk-SK" dirty="0" err="1">
-                <a:highlight>
-                  <a:srgbClr val="FFFF00"/>
-                </a:highlight>
-                <a:latin typeface="Consolas" panose="020B0609020204030204" pitchFamily="49" charset="0"/>
-              </a:rPr>
-              <a:t>char</a:t>
-            </a:r>
-            <a:r>
-              <a:rPr lang="sk-SK" dirty="0">
-                <a:highlight>
-                  <a:srgbClr val="FFFF00"/>
-                </a:highlight>
-                <a:latin typeface="Consolas" panose="020B0609020204030204" pitchFamily="49" charset="0"/>
-              </a:rPr>
-              <a:t> </a:t>
-            </a:r>
-            <a:r>
-              <a:rPr lang="sk-SK" dirty="0" err="1">
-                <a:highlight>
-                  <a:srgbClr val="FFFF00"/>
-                </a:highlight>
-                <a:latin typeface="Consolas" panose="020B0609020204030204" pitchFamily="49" charset="0"/>
-              </a:rPr>
-              <a:t>ziskajTip</a:t>
-            </a:r>
-            <a:r>
-              <a:rPr lang="sk-SK" dirty="0">
-                <a:highlight>
-                  <a:srgbClr val="FFFF00"/>
-                </a:highlight>
-                <a:latin typeface="Consolas" panose="020B0609020204030204" pitchFamily="49" charset="0"/>
-              </a:rPr>
-              <a:t>()</a:t>
-            </a:r>
-            <a:r>
-              <a:rPr lang="sk-SK" dirty="0"/>
-              <a:t> - vypíše na obrazovku text "Hádaj písmeno: " a načíta jeden znak z klávesnice. Použite metódu </a:t>
-            </a:r>
-            <a:r>
-              <a:rPr lang="sk-SK" dirty="0" err="1">
-                <a:highlight>
-                  <a:srgbClr val="FFFF00"/>
-                </a:highlight>
-                <a:latin typeface="Consolas" panose="020B0609020204030204" pitchFamily="49" charset="0"/>
-              </a:rPr>
-              <a:t>scanner.nextLine</a:t>
-            </a:r>
-            <a:r>
-              <a:rPr lang="sk-SK" dirty="0">
-                <a:highlight>
-                  <a:srgbClr val="FFFF00"/>
-                </a:highlight>
-                <a:latin typeface="Consolas" panose="020B0609020204030204" pitchFamily="49" charset="0"/>
-              </a:rPr>
-              <a:t>()</a:t>
-            </a:r>
-            <a:r>
-              <a:rPr lang="sk-SK" dirty="0"/>
-              <a:t> a potom pomocou metódy </a:t>
-            </a:r>
-            <a:r>
-              <a:rPr lang="sk-SK" dirty="0" err="1">
-                <a:highlight>
-                  <a:srgbClr val="FFFF00"/>
-                </a:highlight>
-                <a:latin typeface="Consolas" panose="020B0609020204030204" pitchFamily="49" charset="0"/>
-              </a:rPr>
-              <a:t>String#charAt</a:t>
-            </a:r>
-            <a:r>
-              <a:rPr lang="sk-SK" dirty="0">
-                <a:highlight>
-                  <a:srgbClr val="FFFF00"/>
-                </a:highlight>
-                <a:latin typeface="Consolas" panose="020B0609020204030204" pitchFamily="49" charset="0"/>
-              </a:rPr>
-              <a:t>()</a:t>
-            </a:r>
-            <a:r>
-              <a:rPr lang="sk-SK" dirty="0"/>
-              <a:t> vráťte prvý znak, ktorý užívateľ zadal.</a:t>
-            </a:r>
-          </a:p>
-          <a:p>
-            <a:pPr marL="514350" indent="-514350">
-              <a:lnSpc>
-                <a:spcPct val="100000"/>
-              </a:lnSpc>
-              <a:spcBef>
-                <a:spcPts val="0"/>
-              </a:spcBef>
-              <a:buFont typeface="+mj-lt"/>
-              <a:buAutoNum type="arabicPeriod"/>
-            </a:pPr>
-            <a:r>
-              <a:rPr lang="sk-SK" dirty="0" err="1">
-                <a:highlight>
-                  <a:srgbClr val="FFFF00"/>
-                </a:highlight>
-                <a:latin typeface="Consolas" panose="020B0609020204030204" pitchFamily="49" charset="0"/>
-              </a:rPr>
-              <a:t>public</a:t>
-            </a:r>
-            <a:r>
-              <a:rPr lang="sk-SK" dirty="0">
-                <a:highlight>
-                  <a:srgbClr val="FFFF00"/>
-                </a:highlight>
-                <a:latin typeface="Consolas" panose="020B0609020204030204" pitchFamily="49" charset="0"/>
-              </a:rPr>
-              <a:t> </a:t>
-            </a:r>
-            <a:r>
-              <a:rPr lang="sk-SK" dirty="0" err="1">
-                <a:highlight>
-                  <a:srgbClr val="FFFF00"/>
-                </a:highlight>
-                <a:latin typeface="Consolas" panose="020B0609020204030204" pitchFamily="49" charset="0"/>
-              </a:rPr>
-              <a:t>String</a:t>
-            </a:r>
-            <a:r>
-              <a:rPr lang="sk-SK" dirty="0">
-                <a:highlight>
-                  <a:srgbClr val="FFFF00"/>
-                </a:highlight>
-                <a:latin typeface="Consolas" panose="020B0609020204030204" pitchFamily="49" charset="0"/>
-              </a:rPr>
-              <a:t> </a:t>
-            </a:r>
-            <a:r>
-              <a:rPr lang="sk-SK" dirty="0" err="1">
-                <a:highlight>
-                  <a:srgbClr val="FFFF00"/>
-                </a:highlight>
-                <a:latin typeface="Consolas" panose="020B0609020204030204" pitchFamily="49" charset="0"/>
-              </a:rPr>
-              <a:t>ziskajHadaneSlovo</a:t>
-            </a:r>
-            <a:r>
-              <a:rPr lang="sk-SK" dirty="0">
-                <a:highlight>
-                  <a:srgbClr val="FFFF00"/>
-                </a:highlight>
-                <a:latin typeface="Consolas" panose="020B0609020204030204" pitchFamily="49" charset="0"/>
-              </a:rPr>
-              <a:t>()</a:t>
-            </a:r>
-            <a:r>
-              <a:rPr lang="sk-SK" dirty="0"/>
-              <a:t> - vypíše na obrazovku text "Zadaj slovo, ktoré sa má hádať: " a načíta slovo z klávesnice. Vráti načítané slovo. Po načítaní 'vyčistite' obrazovku napísaním veľkého množstva nových riadkov (znak '</a:t>
-            </a:r>
-            <a:r>
-              <a:rPr lang="sk-SK" dirty="0">
-                <a:highlight>
-                  <a:srgbClr val="FFFF00"/>
-                </a:highlight>
-                <a:latin typeface="Consolas" panose="020B0609020204030204" pitchFamily="49" charset="0"/>
-              </a:rPr>
-              <a:t>\n</a:t>
-            </a:r>
-            <a:r>
-              <a:rPr lang="sk-SK" dirty="0"/>
-              <a:t>')</a:t>
-            </a:r>
-            <a:endParaRPr lang="sk-SK" sz="2400" dirty="0">
-              <a:highlight>
-                <a:srgbClr val="FFFF00"/>
-              </a:highlight>
-              <a:latin typeface="Consolas" panose="020B0609020204030204" pitchFamily="49" charset="0"/>
-            </a:endParaRPr>
-          </a:p>
-        </p:txBody>
-      </p:sp>
-      <p:sp>
-        <p:nvSpPr>
-          <p:cNvPr id="5" name="Nadpis 4">
-            <a:extLst>
-              <a:ext uri="{FF2B5EF4-FFF2-40B4-BE49-F238E27FC236}">
-                <a16:creationId xmlns:a16="http://schemas.microsoft.com/office/drawing/2014/main" id="{E0C32511-6462-9E9B-E18C-99985C45BA66}"/>
-              </a:ext>
-            </a:extLst>
-          </p:cNvPr>
-          <p:cNvSpPr>
-            <a:spLocks noGrp="1"/>
-          </p:cNvSpPr>
-          <p:nvPr>
-            <p:ph type="title"/>
-          </p:nvPr>
-        </p:nvSpPr>
-        <p:spPr/>
-        <p:txBody>
-          <a:bodyPr>
-            <a:normAutofit/>
-          </a:bodyPr>
-          <a:lstStyle/>
-          <a:p>
-            <a:r>
-              <a:rPr lang="sk-SK" dirty="0"/>
-              <a:t>Úloha 7.6: Získanie vstupu</a:t>
-            </a:r>
-          </a:p>
-        </p:txBody>
-      </p:sp>
-    </p:spTree>
-    <p:extLst>
-      <p:ext uri="{BB962C8B-B14F-4D97-AF65-F5344CB8AC3E}">
-        <p14:creationId xmlns:p14="http://schemas.microsoft.com/office/powerpoint/2010/main" val="2917433203"/>
-      </p:ext>
-    </p:extLst>
-  </p:cSld>
-  <p:clrMapOvr>
-    <a:masterClrMapping/>
-  </p:clrMapOvr>
-</p:sld>
-</file>
-
-<file path=ppt/slides/slide11.xml><?xml version="1.0" encoding="utf-8"?>
-<p:sld xmlns:a="http://schemas.openxmlformats.org/drawingml/2006/main" xmlns:r="http://schemas.openxmlformats.org/officeDocument/2006/relationships" xmlns:p="http://schemas.openxmlformats.org/presentationml/2006/main">
-  <p:cSld>
-    <p:bg>
-      <p:bgPr>
-        <a:solidFill>
-          <a:schemeClr val="bg1"/>
-        </a:solidFill>
-        <a:effectLst/>
-      </p:bgPr>
-    </p:bg>
-    <p:spTree>
-      <p:nvGrpSpPr>
-        <p:cNvPr id="1" name="">
-          <a:extLst>
-            <a:ext uri="{FF2B5EF4-FFF2-40B4-BE49-F238E27FC236}">
-              <a16:creationId xmlns:a16="http://schemas.microsoft.com/office/drawing/2014/main" id="{816D5B0D-B51A-09D6-1D4E-EFF691F3FE55}"/>
-            </a:ext>
-          </a:extLst>
-        </p:cNvPr>
-        <p:cNvGrpSpPr/>
-        <p:nvPr/>
-      </p:nvGrpSpPr>
-      <p:grpSpPr>
-        <a:xfrm>
-          <a:off x="0" y="0"/>
-          <a:ext cx="0" cy="0"/>
-          <a:chOff x="0" y="0"/>
-          <a:chExt cx="0" cy="0"/>
-        </a:xfrm>
-      </p:grpSpPr>
-      <p:sp>
-        <p:nvSpPr>
-          <p:cNvPr id="3" name="Zástupný objekt pre obsah 2">
-            <a:extLst>
-              <a:ext uri="{FF2B5EF4-FFF2-40B4-BE49-F238E27FC236}">
-                <a16:creationId xmlns:a16="http://schemas.microsoft.com/office/drawing/2014/main" id="{6B5DD4A8-37B9-0962-D595-55F946632F11}"/>
-              </a:ext>
-            </a:extLst>
-          </p:cNvPr>
-          <p:cNvSpPr>
-            <a:spLocks noGrp="1"/>
-          </p:cNvSpPr>
-          <p:nvPr>
-            <p:ph idx="1"/>
-          </p:nvPr>
-        </p:nvSpPr>
-        <p:spPr>
-          <a:xfrm>
-            <a:off x="274320" y="1516550"/>
-            <a:ext cx="11759184" cy="4847673"/>
-          </a:xfrm>
-        </p:spPr>
-        <p:txBody>
-          <a:bodyPr>
-            <a:noAutofit/>
-          </a:bodyPr>
-          <a:lstStyle/>
-          <a:p>
-            <a:pPr marL="0" indent="0">
-              <a:lnSpc>
-                <a:spcPct val="100000"/>
-              </a:lnSpc>
-              <a:spcBef>
-                <a:spcPts val="0"/>
-              </a:spcBef>
-              <a:buNone/>
-            </a:pPr>
-            <a:r>
-              <a:rPr lang="sk-SK" sz="2400" dirty="0"/>
-              <a:t>Vytvorte nasledovné inštančné metódy v triede </a:t>
-            </a:r>
-            <a:r>
-              <a:rPr lang="sk-SK" sz="2400" dirty="0" err="1">
-                <a:highlight>
-                  <a:srgbClr val="FFFF00"/>
-                </a:highlight>
-                <a:latin typeface="Consolas" panose="020B0609020204030204" pitchFamily="49" charset="0"/>
-              </a:rPr>
-              <a:t>TextoveUI</a:t>
-            </a:r>
-            <a:r>
-              <a:rPr lang="sk-SK" sz="2400" dirty="0"/>
-              <a:t>.</a:t>
-            </a:r>
-          </a:p>
-          <a:p>
-            <a:pPr marL="0" indent="0">
-              <a:lnSpc>
-                <a:spcPct val="100000"/>
-              </a:lnSpc>
-              <a:spcBef>
-                <a:spcPts val="0"/>
-              </a:spcBef>
-              <a:buNone/>
-            </a:pPr>
-            <a:endParaRPr lang="sk-SK" sz="2400" dirty="0"/>
-          </a:p>
-          <a:p>
-            <a:pPr marL="514350" indent="-514350">
-              <a:lnSpc>
-                <a:spcPct val="100000"/>
-              </a:lnSpc>
-              <a:spcBef>
-                <a:spcPts val="0"/>
-              </a:spcBef>
-              <a:buFont typeface="+mj-lt"/>
-              <a:buAutoNum type="arabicPeriod"/>
-            </a:pPr>
-            <a:r>
-              <a:rPr lang="sk-SK" sz="2400" dirty="0" err="1">
-                <a:highlight>
-                  <a:srgbClr val="FFFF00"/>
-                </a:highlight>
-                <a:latin typeface="Consolas" panose="020B0609020204030204" pitchFamily="49" charset="0"/>
-              </a:rPr>
-              <a:t>public</a:t>
-            </a:r>
-            <a:r>
-              <a:rPr lang="sk-SK" sz="2400" dirty="0">
-                <a:highlight>
-                  <a:srgbClr val="FFFF00"/>
-                </a:highlight>
-                <a:latin typeface="Consolas" panose="020B0609020204030204" pitchFamily="49" charset="0"/>
-              </a:rPr>
-              <a:t> </a:t>
-            </a:r>
-            <a:r>
-              <a:rPr lang="sk-SK" sz="2400" dirty="0" err="1">
-                <a:highlight>
-                  <a:srgbClr val="FFFF00"/>
-                </a:highlight>
-                <a:latin typeface="Consolas" panose="020B0609020204030204" pitchFamily="49" charset="0"/>
-              </a:rPr>
-              <a:t>void</a:t>
-            </a:r>
-            <a:r>
-              <a:rPr lang="sk-SK" sz="2400" dirty="0">
-                <a:highlight>
-                  <a:srgbClr val="FFFF00"/>
-                </a:highlight>
-                <a:latin typeface="Consolas" panose="020B0609020204030204" pitchFamily="49" charset="0"/>
-              </a:rPr>
-              <a:t> </a:t>
-            </a:r>
-            <a:r>
-              <a:rPr lang="sk-SK" sz="2400" dirty="0" err="1">
-                <a:highlight>
-                  <a:srgbClr val="FFFF00"/>
-                </a:highlight>
-                <a:latin typeface="Consolas" panose="020B0609020204030204" pitchFamily="49" charset="0"/>
-              </a:rPr>
-              <a:t>vypisIntro</a:t>
-            </a:r>
-            <a:r>
-              <a:rPr lang="sk-SK" sz="2400" dirty="0">
-                <a:highlight>
-                  <a:srgbClr val="FFFF00"/>
-                </a:highlight>
-                <a:latin typeface="Consolas" panose="020B0609020204030204" pitchFamily="49" charset="0"/>
-              </a:rPr>
-              <a:t>()</a:t>
-            </a:r>
-            <a:r>
-              <a:rPr lang="sk-SK" sz="2400" dirty="0"/>
-              <a:t> - vypíše text "Vitaj v hre Obesenec!". Text môžete pekne orámovať, ak chcete.</a:t>
-            </a:r>
-          </a:p>
-          <a:p>
-            <a:pPr marL="514350" indent="-514350">
-              <a:lnSpc>
-                <a:spcPct val="100000"/>
-              </a:lnSpc>
-              <a:spcBef>
-                <a:spcPts val="0"/>
-              </a:spcBef>
-              <a:buFont typeface="+mj-lt"/>
-              <a:buAutoNum type="arabicPeriod"/>
-            </a:pPr>
-            <a:r>
-              <a:rPr lang="sk-SK" sz="2400" dirty="0" err="1">
-                <a:highlight>
-                  <a:srgbClr val="FFFF00"/>
-                </a:highlight>
-                <a:latin typeface="Consolas" panose="020B0609020204030204" pitchFamily="49" charset="0"/>
-              </a:rPr>
-              <a:t>public</a:t>
-            </a:r>
-            <a:r>
-              <a:rPr lang="sk-SK" sz="2400" dirty="0">
-                <a:highlight>
-                  <a:srgbClr val="FFFF00"/>
-                </a:highlight>
-                <a:latin typeface="Consolas" panose="020B0609020204030204" pitchFamily="49" charset="0"/>
-              </a:rPr>
-              <a:t> </a:t>
-            </a:r>
-            <a:r>
-              <a:rPr lang="sk-SK" sz="2400" dirty="0" err="1">
-                <a:highlight>
-                  <a:srgbClr val="FFFF00"/>
-                </a:highlight>
-                <a:latin typeface="Consolas" panose="020B0609020204030204" pitchFamily="49" charset="0"/>
-              </a:rPr>
-              <a:t>void</a:t>
-            </a:r>
-            <a:r>
-              <a:rPr lang="sk-SK" sz="2400" dirty="0">
-                <a:highlight>
-                  <a:srgbClr val="FFFF00"/>
-                </a:highlight>
-                <a:latin typeface="Consolas" panose="020B0609020204030204" pitchFamily="49" charset="0"/>
-              </a:rPr>
-              <a:t> </a:t>
-            </a:r>
-            <a:r>
-              <a:rPr lang="sk-SK" sz="2400" dirty="0" err="1">
-                <a:highlight>
-                  <a:srgbClr val="FFFF00"/>
-                </a:highlight>
-                <a:latin typeface="Consolas" panose="020B0609020204030204" pitchFamily="49" charset="0"/>
-              </a:rPr>
-              <a:t>vypisStavHry</a:t>
-            </a:r>
-            <a:r>
-              <a:rPr lang="sk-SK" sz="2400" dirty="0">
-                <a:highlight>
-                  <a:srgbClr val="FFFF00"/>
-                </a:highlight>
-                <a:latin typeface="Consolas" panose="020B0609020204030204" pitchFamily="49" charset="0"/>
-              </a:rPr>
-              <a:t>(Stav stav)</a:t>
-            </a:r>
-            <a:r>
-              <a:rPr lang="sk-SK" sz="2400" dirty="0"/>
-              <a:t> - do samostatného riadku vypíše "Slovo: " a za ním vypíše zatiaľ uhádnuté slovo </a:t>
-            </a:r>
-            <a:r>
-              <a:rPr lang="sk-SK" sz="2400" dirty="0" err="1">
-                <a:highlight>
-                  <a:srgbClr val="FFFF00"/>
-                </a:highlight>
-                <a:latin typeface="Consolas" panose="020B0609020204030204" pitchFamily="49" charset="0"/>
-              </a:rPr>
-              <a:t>stav.getSlovo</a:t>
-            </a:r>
-            <a:r>
-              <a:rPr lang="sk-SK" sz="2400" dirty="0">
-                <a:highlight>
-                  <a:srgbClr val="FFFF00"/>
-                </a:highlight>
-                <a:latin typeface="Consolas" panose="020B0609020204030204" pitchFamily="49" charset="0"/>
-              </a:rPr>
-              <a:t>()</a:t>
-            </a:r>
-          </a:p>
-          <a:p>
-            <a:pPr marL="514350" indent="-514350">
-              <a:lnSpc>
-                <a:spcPct val="100000"/>
-              </a:lnSpc>
-              <a:spcBef>
-                <a:spcPts val="0"/>
-              </a:spcBef>
-              <a:buFont typeface="+mj-lt"/>
-              <a:buAutoNum type="arabicPeriod"/>
-            </a:pPr>
-            <a:r>
-              <a:rPr lang="sk-SK" sz="2400" dirty="0" err="1">
-                <a:highlight>
-                  <a:srgbClr val="FFFF00"/>
-                </a:highlight>
-                <a:latin typeface="Consolas" panose="020B0609020204030204" pitchFamily="49" charset="0"/>
-              </a:rPr>
-              <a:t>public</a:t>
-            </a:r>
-            <a:r>
-              <a:rPr lang="sk-SK" sz="2400" dirty="0">
-                <a:highlight>
-                  <a:srgbClr val="FFFF00"/>
-                </a:highlight>
-                <a:latin typeface="Consolas" panose="020B0609020204030204" pitchFamily="49" charset="0"/>
-              </a:rPr>
-              <a:t> </a:t>
-            </a:r>
-            <a:r>
-              <a:rPr lang="sk-SK" sz="2400" dirty="0" err="1">
-                <a:highlight>
-                  <a:srgbClr val="FFFF00"/>
-                </a:highlight>
-                <a:latin typeface="Consolas" panose="020B0609020204030204" pitchFamily="49" charset="0"/>
-              </a:rPr>
-              <a:t>void</a:t>
-            </a:r>
-            <a:r>
-              <a:rPr lang="sk-SK" sz="2400" dirty="0">
-                <a:highlight>
-                  <a:srgbClr val="FFFF00"/>
-                </a:highlight>
-                <a:latin typeface="Consolas" panose="020B0609020204030204" pitchFamily="49" charset="0"/>
-              </a:rPr>
-              <a:t> </a:t>
-            </a:r>
-            <a:r>
-              <a:rPr lang="sk-SK" sz="2400" dirty="0" err="1">
-                <a:highlight>
-                  <a:srgbClr val="FFFF00"/>
-                </a:highlight>
-                <a:latin typeface="Consolas" panose="020B0609020204030204" pitchFamily="49" charset="0"/>
-              </a:rPr>
-              <a:t>vypisVysledokHry</a:t>
-            </a:r>
-            <a:r>
-              <a:rPr lang="sk-SK" sz="2400" dirty="0">
-                <a:highlight>
-                  <a:srgbClr val="FFFF00"/>
-                </a:highlight>
-                <a:latin typeface="Consolas" panose="020B0609020204030204" pitchFamily="49" charset="0"/>
-              </a:rPr>
-              <a:t>(Stav stav)</a:t>
-            </a:r>
-            <a:r>
-              <a:rPr lang="sk-SK" sz="2400" dirty="0"/>
-              <a:t> - Ak je </a:t>
-            </a:r>
-            <a:r>
-              <a:rPr lang="sk-SK" sz="2400" dirty="0" err="1">
-                <a:highlight>
-                  <a:srgbClr val="FFFF00"/>
-                </a:highlight>
-                <a:latin typeface="Consolas" panose="020B0609020204030204" pitchFamily="49" charset="0"/>
-              </a:rPr>
-              <a:t>stav.isVyhra</a:t>
-            </a:r>
-            <a:r>
-              <a:rPr lang="sk-SK" sz="2400" dirty="0">
-                <a:highlight>
-                  <a:srgbClr val="FFFF00"/>
-                </a:highlight>
-                <a:latin typeface="Consolas" panose="020B0609020204030204" pitchFamily="49" charset="0"/>
-              </a:rPr>
-              <a:t>()</a:t>
-            </a:r>
-            <a:r>
-              <a:rPr lang="sk-SK" sz="2400" dirty="0"/>
-              <a:t> </a:t>
-            </a:r>
-            <a:r>
-              <a:rPr lang="sk-SK" sz="2400" dirty="0" err="1">
-                <a:highlight>
-                  <a:srgbClr val="FFFF00"/>
-                </a:highlight>
-                <a:latin typeface="Consolas" panose="020B0609020204030204" pitchFamily="49" charset="0"/>
-              </a:rPr>
-              <a:t>true</a:t>
-            </a:r>
-            <a:r>
-              <a:rPr lang="sk-SK" sz="2400" dirty="0"/>
-              <a:t>, vypíše "Vyhral si!". V opačnom prípade vypíše "Prehral si, hľadané slovo bolo: " a vypíše hľadané slovo.</a:t>
-            </a:r>
-          </a:p>
-          <a:p>
-            <a:pPr marL="514350" indent="-514350">
-              <a:lnSpc>
-                <a:spcPct val="100000"/>
-              </a:lnSpc>
-              <a:spcBef>
-                <a:spcPts val="0"/>
-              </a:spcBef>
-              <a:buFont typeface="+mj-lt"/>
-              <a:buAutoNum type="arabicPeriod"/>
-            </a:pPr>
-            <a:r>
-              <a:rPr lang="sk-SK" sz="2400" dirty="0" err="1">
-                <a:highlight>
-                  <a:srgbClr val="FFFF00"/>
-                </a:highlight>
-                <a:latin typeface="Consolas" panose="020B0609020204030204" pitchFamily="49" charset="0"/>
-              </a:rPr>
-              <a:t>public</a:t>
-            </a:r>
-            <a:r>
-              <a:rPr lang="sk-SK" sz="2400" dirty="0">
-                <a:highlight>
-                  <a:srgbClr val="FFFF00"/>
-                </a:highlight>
-                <a:latin typeface="Consolas" panose="020B0609020204030204" pitchFamily="49" charset="0"/>
-              </a:rPr>
-              <a:t> </a:t>
-            </a:r>
-            <a:r>
-              <a:rPr lang="sk-SK" sz="2400" dirty="0" err="1">
-                <a:highlight>
-                  <a:srgbClr val="FFFF00"/>
-                </a:highlight>
-                <a:latin typeface="Consolas" panose="020B0609020204030204" pitchFamily="49" charset="0"/>
-              </a:rPr>
-              <a:t>void</a:t>
-            </a:r>
-            <a:r>
-              <a:rPr lang="sk-SK" sz="2400" dirty="0">
-                <a:highlight>
-                  <a:srgbClr val="FFFF00"/>
-                </a:highlight>
-                <a:latin typeface="Consolas" panose="020B0609020204030204" pitchFamily="49" charset="0"/>
-              </a:rPr>
-              <a:t> </a:t>
-            </a:r>
-            <a:r>
-              <a:rPr lang="sk-SK" sz="2400" dirty="0" err="1">
-                <a:highlight>
-                  <a:srgbClr val="FFFF00"/>
-                </a:highlight>
-                <a:latin typeface="Consolas" panose="020B0609020204030204" pitchFamily="49" charset="0"/>
-              </a:rPr>
-              <a:t>vypisVysledokHadania</a:t>
-            </a:r>
-            <a:r>
-              <a:rPr lang="sk-SK" sz="2400" dirty="0">
-                <a:highlight>
-                  <a:srgbClr val="FFFF00"/>
-                </a:highlight>
-                <a:latin typeface="Consolas" panose="020B0609020204030204" pitchFamily="49" charset="0"/>
-              </a:rPr>
-              <a:t>(</a:t>
-            </a:r>
-            <a:r>
-              <a:rPr lang="sk-SK" sz="2400" dirty="0" err="1">
-                <a:highlight>
-                  <a:srgbClr val="FFFF00"/>
-                </a:highlight>
-                <a:latin typeface="Consolas" panose="020B0609020204030204" pitchFamily="49" charset="0"/>
-              </a:rPr>
-              <a:t>char</a:t>
-            </a:r>
-            <a:r>
-              <a:rPr lang="sk-SK" sz="2400" dirty="0">
-                <a:highlight>
-                  <a:srgbClr val="FFFF00"/>
-                </a:highlight>
-                <a:latin typeface="Consolas" panose="020B0609020204030204" pitchFamily="49" charset="0"/>
-              </a:rPr>
-              <a:t> tip, boolean </a:t>
-            </a:r>
-            <a:r>
-              <a:rPr lang="sk-SK" sz="2400" dirty="0" err="1">
-                <a:highlight>
-                  <a:srgbClr val="FFFF00"/>
-                </a:highlight>
-                <a:latin typeface="Consolas" panose="020B0609020204030204" pitchFamily="49" charset="0"/>
-              </a:rPr>
-              <a:t>spravnyTip</a:t>
-            </a:r>
-            <a:r>
-              <a:rPr lang="sk-SK" sz="2400" dirty="0">
-                <a:highlight>
-                  <a:srgbClr val="FFFF00"/>
-                </a:highlight>
-                <a:latin typeface="Consolas" panose="020B0609020204030204" pitchFamily="49" charset="0"/>
-              </a:rPr>
-              <a:t>)</a:t>
-            </a:r>
-            <a:r>
-              <a:rPr lang="sk-SK" sz="2400" dirty="0"/>
-              <a:t> - ak je </a:t>
-            </a:r>
-            <a:r>
-              <a:rPr lang="sk-SK" sz="2400" dirty="0" err="1"/>
-              <a:t>vstupny</a:t>
-            </a:r>
-            <a:r>
-              <a:rPr lang="sk-SK" sz="2400" dirty="0"/>
-              <a:t> argument </a:t>
-            </a:r>
-            <a:r>
-              <a:rPr lang="sk-SK" sz="2400" dirty="0" err="1">
-                <a:highlight>
-                  <a:srgbClr val="FFFF00"/>
-                </a:highlight>
-                <a:latin typeface="Consolas" panose="020B0609020204030204" pitchFamily="49" charset="0"/>
-              </a:rPr>
-              <a:t>spravnyTip</a:t>
-            </a:r>
-            <a:r>
-              <a:rPr lang="sk-SK" sz="2400" dirty="0"/>
-              <a:t> </a:t>
-            </a:r>
-            <a:r>
-              <a:rPr lang="sk-SK" sz="2400" dirty="0" err="1">
-                <a:highlight>
-                  <a:srgbClr val="FFFF00"/>
-                </a:highlight>
-                <a:latin typeface="Consolas" panose="020B0609020204030204" pitchFamily="49" charset="0"/>
-              </a:rPr>
-              <a:t>true</a:t>
-            </a:r>
-            <a:r>
-              <a:rPr lang="sk-SK" sz="2400" dirty="0"/>
-              <a:t>, vypíše "</a:t>
-            </a:r>
-            <a:r>
-              <a:rPr lang="sk-SK" sz="2400" dirty="0" err="1"/>
-              <a:t>Uhadol</a:t>
-            </a:r>
-            <a:r>
-              <a:rPr lang="sk-SK" sz="2400" dirty="0"/>
-              <a:t> si </a:t>
-            </a:r>
-            <a:r>
-              <a:rPr lang="sk-SK" sz="2400" dirty="0" err="1"/>
-              <a:t>dalsi</a:t>
-            </a:r>
-            <a:r>
-              <a:rPr lang="sk-SK" sz="2400" dirty="0"/>
-              <a:t> znak!". V opačnom prípade vypíše "Znak %c sa v hľadanom slove nenachádza", pričom vypíše znak </a:t>
-            </a:r>
-            <a:r>
-              <a:rPr lang="sk-SK" sz="2400" dirty="0">
-                <a:highlight>
-                  <a:srgbClr val="FFFF00"/>
-                </a:highlight>
-                <a:latin typeface="Consolas" panose="020B0609020204030204" pitchFamily="49" charset="0"/>
-              </a:rPr>
-              <a:t>tip</a:t>
-            </a:r>
-            <a:r>
-              <a:rPr lang="sk-SK" sz="2400" dirty="0"/>
-              <a:t>.</a:t>
-            </a:r>
-            <a:endParaRPr lang="sk-SK" sz="2400" dirty="0">
-              <a:highlight>
-                <a:srgbClr val="FFFF00"/>
-              </a:highlight>
-              <a:latin typeface="Consolas" panose="020B0609020204030204" pitchFamily="49" charset="0"/>
-            </a:endParaRPr>
-          </a:p>
-        </p:txBody>
-      </p:sp>
-      <p:sp>
-        <p:nvSpPr>
-          <p:cNvPr id="5" name="Nadpis 4">
-            <a:extLst>
-              <a:ext uri="{FF2B5EF4-FFF2-40B4-BE49-F238E27FC236}">
-                <a16:creationId xmlns:a16="http://schemas.microsoft.com/office/drawing/2014/main" id="{5E5AECCF-0947-75A0-71E0-595035D08BF4}"/>
-              </a:ext>
-            </a:extLst>
-          </p:cNvPr>
-          <p:cNvSpPr>
-            <a:spLocks noGrp="1"/>
-          </p:cNvSpPr>
-          <p:nvPr>
-            <p:ph type="title"/>
-          </p:nvPr>
-        </p:nvSpPr>
-        <p:spPr/>
-        <p:txBody>
-          <a:bodyPr>
-            <a:normAutofit/>
-          </a:bodyPr>
-          <a:lstStyle/>
-          <a:p>
-            <a:r>
-              <a:rPr lang="sk-SK" dirty="0"/>
-              <a:t>Úloha 7.7: Vypísanie informácii</a:t>
-            </a:r>
-          </a:p>
-        </p:txBody>
-      </p:sp>
-    </p:spTree>
-    <p:extLst>
-      <p:ext uri="{BB962C8B-B14F-4D97-AF65-F5344CB8AC3E}">
-        <p14:creationId xmlns:p14="http://schemas.microsoft.com/office/powerpoint/2010/main" val="2468211341"/>
-      </p:ext>
-    </p:extLst>
-  </p:cSld>
-  <p:clrMapOvr>
-    <a:masterClrMapping/>
-  </p:clrMapOvr>
-</p:sld>
-</file>
-
-<file path=ppt/slides/slide12.xml><?xml version="1.0" encoding="utf-8"?>
-<p:sld xmlns:a="http://schemas.openxmlformats.org/drawingml/2006/main" xmlns:r="http://schemas.openxmlformats.org/officeDocument/2006/relationships" xmlns:p="http://schemas.openxmlformats.org/presentationml/2006/main">
-  <p:cSld>
-    <p:bg>
-      <p:bgPr>
-        <a:solidFill>
-          <a:schemeClr val="bg1"/>
-        </a:solidFill>
-        <a:effectLst/>
-      </p:bgPr>
-    </p:bg>
-    <p:spTree>
-      <p:nvGrpSpPr>
-        <p:cNvPr id="1" name="">
-          <a:extLst>
-            <a:ext uri="{FF2B5EF4-FFF2-40B4-BE49-F238E27FC236}">
-              <a16:creationId xmlns:a16="http://schemas.microsoft.com/office/drawing/2014/main" id="{83724E73-2506-0716-9CF0-303B55A46B67}"/>
-            </a:ext>
-          </a:extLst>
-        </p:cNvPr>
-        <p:cNvGrpSpPr/>
-        <p:nvPr/>
-      </p:nvGrpSpPr>
-      <p:grpSpPr>
-        <a:xfrm>
-          <a:off x="0" y="0"/>
-          <a:ext cx="0" cy="0"/>
-          <a:chOff x="0" y="0"/>
-          <a:chExt cx="0" cy="0"/>
-        </a:xfrm>
-      </p:grpSpPr>
-      <p:sp>
-        <p:nvSpPr>
-          <p:cNvPr id="4" name="Zástupný objekt pre obsah 3">
-            <a:extLst>
-              <a:ext uri="{FF2B5EF4-FFF2-40B4-BE49-F238E27FC236}">
-                <a16:creationId xmlns:a16="http://schemas.microsoft.com/office/drawing/2014/main" id="{B0F576FB-A56F-824F-2D49-3DFAA36B49D9}"/>
-              </a:ext>
-            </a:extLst>
-          </p:cNvPr>
-          <p:cNvSpPr>
-            <a:spLocks noGrp="1"/>
-          </p:cNvSpPr>
-          <p:nvPr>
-            <p:ph idx="1"/>
-          </p:nvPr>
-        </p:nvSpPr>
-        <p:spPr/>
-        <p:txBody>
-          <a:bodyPr/>
-          <a:lstStyle/>
-          <a:p>
-            <a:endParaRPr lang="sk-SK"/>
-          </a:p>
-        </p:txBody>
-      </p:sp>
-      <p:sp>
-        <p:nvSpPr>
-          <p:cNvPr id="7" name="Nadpis 6">
-            <a:extLst>
-              <a:ext uri="{FF2B5EF4-FFF2-40B4-BE49-F238E27FC236}">
-                <a16:creationId xmlns:a16="http://schemas.microsoft.com/office/drawing/2014/main" id="{FD3AB515-C70F-B9FA-A156-A47494A74B11}"/>
-              </a:ext>
-            </a:extLst>
-          </p:cNvPr>
-          <p:cNvSpPr>
-            <a:spLocks noGrp="1"/>
-          </p:cNvSpPr>
-          <p:nvPr>
-            <p:ph type="title"/>
-          </p:nvPr>
-        </p:nvSpPr>
-        <p:spPr/>
-        <p:txBody>
-          <a:bodyPr/>
-          <a:lstStyle/>
-          <a:p>
-            <a:endParaRPr lang="sk-SK"/>
-          </a:p>
-        </p:txBody>
-      </p:sp>
-      <p:pic>
-        <p:nvPicPr>
-          <p:cNvPr id="3" name="Obrázok 2">
-            <a:extLst>
-              <a:ext uri="{FF2B5EF4-FFF2-40B4-BE49-F238E27FC236}">
-                <a16:creationId xmlns:a16="http://schemas.microsoft.com/office/drawing/2014/main" id="{D8DD5F89-1101-C27F-B611-024A780B75C5}"/>
-              </a:ext>
-            </a:extLst>
-          </p:cNvPr>
-          <p:cNvPicPr>
-            <a:picLocks noChangeAspect="1"/>
-          </p:cNvPicPr>
-          <p:nvPr/>
-        </p:nvPicPr>
-        <p:blipFill>
-          <a:blip r:embed="rId2"/>
-          <a:stretch>
-            <a:fillRect/>
-          </a:stretch>
-        </p:blipFill>
-        <p:spPr>
-          <a:xfrm>
-            <a:off x="1811860" y="642166"/>
-            <a:ext cx="7983064" cy="5534797"/>
-          </a:xfrm>
-          <a:prstGeom prst="rect">
-            <a:avLst/>
-          </a:prstGeom>
-        </p:spPr>
-      </p:pic>
-    </p:spTree>
-    <p:extLst>
-      <p:ext uri="{BB962C8B-B14F-4D97-AF65-F5344CB8AC3E}">
-        <p14:creationId xmlns:p14="http://schemas.microsoft.com/office/powerpoint/2010/main" val="960875029"/>
-      </p:ext>
-    </p:extLst>
-  </p:cSld>
-  <p:clrMapOvr>
-    <a:masterClrMapping/>
-  </p:clrMapOvr>
-</p:sld>
-</file>
-
-<file path=ppt/slides/slide13.xml><?xml version="1.0" encoding="utf-8"?>
-<p:sld xmlns:a="http://schemas.openxmlformats.org/drawingml/2006/main" xmlns:r="http://schemas.openxmlformats.org/officeDocument/2006/relationships" xmlns:p="http://schemas.openxmlformats.org/presentationml/2006/main">
-  <p:cSld>
-    <p:bg>
-      <p:bgPr>
-        <a:solidFill>
-          <a:schemeClr val="bg1"/>
-        </a:solidFill>
-        <a:effectLst/>
-      </p:bgPr>
-    </p:bg>
-    <p:spTree>
-      <p:nvGrpSpPr>
-        <p:cNvPr id="1" name="">
-          <a:extLst>
-            <a:ext uri="{FF2B5EF4-FFF2-40B4-BE49-F238E27FC236}">
-              <a16:creationId xmlns:a16="http://schemas.microsoft.com/office/drawing/2014/main" id="{F2953A15-AF1B-F9EF-E254-9375F15B55D5}"/>
-            </a:ext>
-          </a:extLst>
-        </p:cNvPr>
-        <p:cNvGrpSpPr/>
-        <p:nvPr/>
-      </p:nvGrpSpPr>
-      <p:grpSpPr>
-        <a:xfrm>
-          <a:off x="0" y="0"/>
-          <a:ext cx="0" cy="0"/>
-          <a:chOff x="0" y="0"/>
-          <a:chExt cx="0" cy="0"/>
-        </a:xfrm>
-      </p:grpSpPr>
-      <p:sp>
-        <p:nvSpPr>
-          <p:cNvPr id="3" name="Zástupný objekt pre obsah 2">
-            <a:extLst>
-              <a:ext uri="{FF2B5EF4-FFF2-40B4-BE49-F238E27FC236}">
-                <a16:creationId xmlns:a16="http://schemas.microsoft.com/office/drawing/2014/main" id="{B4E63D8E-8726-2782-482B-24B7E55CAAE2}"/>
-              </a:ext>
-            </a:extLst>
-          </p:cNvPr>
-          <p:cNvSpPr>
-            <a:spLocks noGrp="1"/>
-          </p:cNvSpPr>
-          <p:nvPr>
-            <p:ph idx="1"/>
-          </p:nvPr>
-        </p:nvSpPr>
-        <p:spPr>
-          <a:xfrm>
-            <a:off x="274320" y="1516550"/>
-            <a:ext cx="11759184" cy="4847673"/>
-          </a:xfrm>
-        </p:spPr>
-        <p:txBody>
-          <a:bodyPr>
-            <a:noAutofit/>
-          </a:bodyPr>
-          <a:lstStyle/>
-          <a:p>
-            <a:pPr marL="0" indent="0">
-              <a:lnSpc>
-                <a:spcPct val="100000"/>
-              </a:lnSpc>
-              <a:spcBef>
-                <a:spcPts val="0"/>
-              </a:spcBef>
-              <a:buNone/>
-            </a:pPr>
-            <a:r>
-              <a:rPr lang="sk-SK" dirty="0"/>
-              <a:t>Vytvorte triedu </a:t>
-            </a:r>
-            <a:r>
-              <a:rPr lang="sk-SK" dirty="0" err="1">
-                <a:highlight>
-                  <a:srgbClr val="FFFF00"/>
-                </a:highlight>
-                <a:latin typeface="Consolas" panose="020B0609020204030204" pitchFamily="49" charset="0"/>
-              </a:rPr>
-              <a:t>sk.spse.hangman.Hra</a:t>
-            </a:r>
-            <a:r>
-              <a:rPr lang="sk-SK" dirty="0"/>
-              <a:t> s kódom podľa učebnice</a:t>
-            </a:r>
-          </a:p>
-          <a:p>
-            <a:pPr marL="0" indent="0">
-              <a:lnSpc>
-                <a:spcPct val="100000"/>
-              </a:lnSpc>
-              <a:spcBef>
-                <a:spcPts val="0"/>
-              </a:spcBef>
-              <a:buNone/>
-            </a:pPr>
-            <a:endParaRPr lang="sk-SK" dirty="0"/>
-          </a:p>
-          <a:p>
-            <a:pPr marL="0" indent="0">
-              <a:lnSpc>
-                <a:spcPct val="100000"/>
-              </a:lnSpc>
-              <a:spcBef>
-                <a:spcPts val="0"/>
-              </a:spcBef>
-              <a:buNone/>
-            </a:pPr>
-            <a:endParaRPr lang="sk-SK" dirty="0"/>
-          </a:p>
-        </p:txBody>
-      </p:sp>
-      <p:sp>
-        <p:nvSpPr>
-          <p:cNvPr id="5" name="Nadpis 4">
-            <a:extLst>
-              <a:ext uri="{FF2B5EF4-FFF2-40B4-BE49-F238E27FC236}">
-                <a16:creationId xmlns:a16="http://schemas.microsoft.com/office/drawing/2014/main" id="{CDC02E39-5DA6-F4BC-7BF0-66A6D37DF7C5}"/>
-              </a:ext>
-            </a:extLst>
-          </p:cNvPr>
-          <p:cNvSpPr>
-            <a:spLocks noGrp="1"/>
-          </p:cNvSpPr>
-          <p:nvPr>
-            <p:ph type="title"/>
-          </p:nvPr>
-        </p:nvSpPr>
-        <p:spPr/>
-        <p:txBody>
-          <a:bodyPr>
-            <a:normAutofit/>
-          </a:bodyPr>
-          <a:lstStyle/>
-          <a:p>
-            <a:r>
-              <a:rPr lang="es-ES" dirty="0"/>
-              <a:t>Úloha 7.8: Hlavná trieda Hra</a:t>
-            </a:r>
-            <a:endParaRPr lang="sk-SK" dirty="0"/>
-          </a:p>
-        </p:txBody>
-      </p:sp>
-      <p:pic>
-        <p:nvPicPr>
-          <p:cNvPr id="4" name="Obrázok 3">
-            <a:extLst>
-              <a:ext uri="{FF2B5EF4-FFF2-40B4-BE49-F238E27FC236}">
-                <a16:creationId xmlns:a16="http://schemas.microsoft.com/office/drawing/2014/main" id="{7F8D43B9-D2C2-A134-F4A8-5043909C26B6}"/>
-              </a:ext>
-            </a:extLst>
-          </p:cNvPr>
-          <p:cNvPicPr>
-            <a:picLocks noChangeAspect="1"/>
-          </p:cNvPicPr>
-          <p:nvPr/>
-        </p:nvPicPr>
-        <p:blipFill>
-          <a:blip r:embed="rId2"/>
-          <a:stretch>
-            <a:fillRect/>
-          </a:stretch>
-        </p:blipFill>
-        <p:spPr>
-          <a:xfrm>
-            <a:off x="3452682" y="2578767"/>
-            <a:ext cx="4591691" cy="3181794"/>
-          </a:xfrm>
-          <a:prstGeom prst="rect">
-            <a:avLst/>
-          </a:prstGeom>
-        </p:spPr>
-      </p:pic>
-    </p:spTree>
-    <p:extLst>
-      <p:ext uri="{BB962C8B-B14F-4D97-AF65-F5344CB8AC3E}">
-        <p14:creationId xmlns:p14="http://schemas.microsoft.com/office/powerpoint/2010/main" val="3500114264"/>
-      </p:ext>
-    </p:extLst>
-  </p:cSld>
-  <p:clrMapOvr>
-    <a:masterClrMapping/>
-  </p:clrMapOvr>
-</p:sld>
-</file>
-
 <file path=ppt/slides/slide2.xml><?xml version="1.0" encoding="utf-8"?>
 <p:sld xmlns:a="http://schemas.openxmlformats.org/drawingml/2006/main" xmlns:r="http://schemas.openxmlformats.org/officeDocument/2006/relationships" xmlns:p="http://schemas.openxmlformats.org/presentationml/2006/main">
   <p:cSld>
@@ -5332,7 +4077,7 @@
         <p:spPr>
           <a:xfrm>
             <a:off x="5138928" y="1338729"/>
-            <a:ext cx="4795584" cy="4180542"/>
+            <a:ext cx="5632704" cy="4180542"/>
           </a:xfrm>
         </p:spPr>
         <p:txBody>
@@ -5347,12 +4092,17 @@
             </a:pPr>
             <a:r>
               <a:rPr lang="en-US" dirty="0" err="1"/>
-              <a:t>Hra</a:t>
+              <a:t>Triedy</a:t>
             </a:r>
             <a:r>
               <a:rPr lang="en-US" dirty="0"/>
-              <a:t> Hangman</a:t>
-            </a:r>
+              <a:t> s </a:t>
+            </a:r>
+            <a:r>
+              <a:rPr lang="en-US" dirty="0" err="1"/>
+              <a:t>atribútmi</a:t>
+            </a:r>
+            <a:endParaRPr lang="en-US" dirty="0"/>
           </a:p>
           <a:p>
             <a:pPr marL="514350" indent="-514350">
@@ -5360,13 +4110,14 @@
               <a:buAutoNum type="arabicPeriod"/>
             </a:pPr>
             <a:r>
+              <a:rPr lang="en-US" dirty="0"/>
+              <a:t>Getter </a:t>
+            </a:r>
+            <a:r>
               <a:rPr lang="en-US" dirty="0" err="1"/>
-              <a:t>Trieda</a:t>
-            </a:r>
-            <a:r>
-              <a:rPr lang="en-US" dirty="0"/>
-              <a:t> Stav</a:t>
-            </a:r>
+              <a:t>metódy</a:t>
+            </a:r>
+            <a:endParaRPr lang="en-US" dirty="0"/>
           </a:p>
           <a:p>
             <a:pPr marL="514350" indent="-514350">
@@ -5375,15 +4126,7 @@
             </a:pPr>
             <a:r>
               <a:rPr lang="en-US" dirty="0" err="1"/>
-              <a:t>Trieda</a:t>
-            </a:r>
-            <a:r>
-              <a:rPr lang="en-US" dirty="0"/>
-              <a:t> </a:t>
-            </a:r>
-            <a:r>
-              <a:rPr lang="en-US" dirty="0" err="1"/>
-              <a:t>TextoveUI</a:t>
+              <a:t>toString</a:t>
             </a:r>
             <a:endParaRPr lang="en-US" dirty="0"/>
           </a:p>
@@ -5394,7 +4137,15 @@
             </a:pPr>
             <a:r>
               <a:rPr lang="en-US" dirty="0" err="1"/>
-              <a:t>Trieda</a:t>
+              <a:t>Inštančné</a:t>
+            </a:r>
+            <a:r>
+              <a:rPr lang="en-US" dirty="0"/>
+              <a:t> a </a:t>
+            </a:r>
+            <a:r>
+              <a:rPr lang="en-US" dirty="0" err="1"/>
+              <a:t>statické</a:t>
             </a:r>
             <a:r>
               <a:rPr lang="en-US" dirty="0"/>
@@ -5402,7 +4153,7 @@
             </a:r>
             <a:r>
               <a:rPr lang="en-US" dirty="0" err="1"/>
-              <a:t>Hra</a:t>
+              <a:t>metódy</a:t>
             </a:r>
             <a:endParaRPr lang="sk-SK" dirty="0"/>
           </a:p>
@@ -5488,51 +4239,63 @@
             </a:pPr>
             <a:r>
               <a:rPr lang="sk-SK" dirty="0"/>
-              <a:t>Zadanie úlohy:</a:t>
-            </a:r>
-          </a:p>
-          <a:p>
-            <a:pPr lvl="1">
+              <a:t>Trieda (anglicky </a:t>
+            </a:r>
+            <a:r>
+              <a:rPr lang="sk-SK" dirty="0" err="1"/>
+              <a:t>Class</a:t>
+            </a:r>
+            <a:r>
+              <a:rPr lang="sk-SK" dirty="0"/>
+              <a:t>) v Jave je základný stavebný blok programu</a:t>
+            </a:r>
+            <a:endParaRPr lang="en-US" dirty="0"/>
+          </a:p>
+          <a:p>
+            <a:pPr marL="0" indent="0">
               <a:spcBef>
                 <a:spcPts val="1200"/>
               </a:spcBef>
+              <a:buNone/>
             </a:pPr>
+            <a:endParaRPr lang="en-US" dirty="0"/>
+          </a:p>
+          <a:p>
+            <a:pPr marL="0" indent="0">
+              <a:buNone/>
+            </a:pPr>
+            <a:r>
+              <a:rPr lang="sk-SK" dirty="0"/>
+              <a:t>Ak máme triedu </a:t>
+            </a:r>
+            <a:r>
+              <a:rPr lang="sk-SK" dirty="0" err="1">
+                <a:highlight>
+                  <a:srgbClr val="FFFF00"/>
+                </a:highlight>
+                <a:latin typeface="Consolas" panose="020B0609020204030204" pitchFamily="49" charset="0"/>
+              </a:rPr>
+              <a:t>sk.spse.Krabica</a:t>
+            </a:r>
+            <a:r>
+              <a:rPr lang="sk-SK" dirty="0"/>
+              <a:t>, tak platia nasledovné pravidlá:</a:t>
+            </a:r>
+          </a:p>
+          <a:p>
+            <a:pPr lvl="1"/>
             <a:r>
               <a:rPr lang="sk-SK" sz="2800" dirty="0"/>
-              <a:t>Hra obesenec v príkazovom riadku</a:t>
-            </a:r>
-          </a:p>
-          <a:p>
-            <a:pPr lvl="1">
-              <a:spcBef>
-                <a:spcPts val="1200"/>
-              </a:spcBef>
-            </a:pPr>
-            <a:r>
-              <a:rPr lang="sk-SK" sz="2800" dirty="0"/>
-              <a:t>Na začiatku hra požiada o slovo, ktoré sa bude hádať</a:t>
-            </a:r>
-          </a:p>
-          <a:p>
-            <a:pPr lvl="1">
-              <a:spcBef>
-                <a:spcPts val="1200"/>
-              </a:spcBef>
-            </a:pPr>
-            <a:r>
-              <a:rPr lang="sk-SK" sz="2800" dirty="0"/>
-              <a:t>Hráč zadá písmeno, hra ukáže uhádnuté znaky v slove</a:t>
-            </a:r>
-          </a:p>
-          <a:p>
-            <a:pPr lvl="1">
-              <a:spcBef>
-                <a:spcPts val="1200"/>
-              </a:spcBef>
-            </a:pPr>
-            <a:r>
-              <a:rPr lang="sk-SK" sz="2800" dirty="0"/>
-              <a:t>Hráč má 5 pokusov, potom hra končí</a:t>
+              <a:t>Názov balíka, v ktorom je trieda, je </a:t>
+            </a:r>
+            <a:r>
+              <a:rPr lang="sk-SK" sz="2800" dirty="0" err="1">
+                <a:highlight>
+                  <a:srgbClr val="FFFF00"/>
+                </a:highlight>
+                <a:latin typeface="Consolas" panose="020B0609020204030204" pitchFamily="49" charset="0"/>
+              </a:rPr>
+              <a:t>sk.spse</a:t>
             </a:r>
             <a:endParaRPr lang="sk-SK" sz="2800" dirty="0">
               <a:highlight>
@@ -5540,6 +4303,89 @@
               </a:highlight>
               <a:latin typeface="Consolas" panose="020B0609020204030204" pitchFamily="49" charset="0"/>
             </a:endParaRPr>
+          </a:p>
+          <a:p>
+            <a:pPr lvl="1"/>
+            <a:r>
+              <a:rPr lang="sk-SK" sz="2800" dirty="0"/>
+              <a:t>Názov triedy je </a:t>
+            </a:r>
+            <a:r>
+              <a:rPr lang="sk-SK" sz="2800" dirty="0">
+                <a:highlight>
+                  <a:srgbClr val="FFFF00"/>
+                </a:highlight>
+                <a:latin typeface="Consolas" panose="020B0609020204030204" pitchFamily="49" charset="0"/>
+              </a:rPr>
+              <a:t>Krabica</a:t>
+            </a:r>
+          </a:p>
+          <a:p>
+            <a:pPr lvl="1"/>
+            <a:r>
+              <a:rPr lang="sk-SK" sz="2800" dirty="0"/>
+              <a:t>Súbor s triedou má názov </a:t>
+            </a:r>
+            <a:r>
+              <a:rPr lang="sk-SK" sz="2800" dirty="0">
+                <a:highlight>
+                  <a:srgbClr val="FFFF00"/>
+                </a:highlight>
+                <a:latin typeface="Consolas" panose="020B0609020204030204" pitchFamily="49" charset="0"/>
+              </a:rPr>
+              <a:t>Krabica.java</a:t>
+            </a:r>
+          </a:p>
+          <a:p>
+            <a:pPr lvl="1"/>
+            <a:r>
+              <a:rPr lang="sk-SK" sz="2800" dirty="0"/>
+              <a:t>Súbor s triedou musí byť na adresárovej ceste </a:t>
+            </a:r>
+            <a:r>
+              <a:rPr lang="sk-SK" sz="2800" dirty="0" err="1">
+                <a:highlight>
+                  <a:srgbClr val="FFFF00"/>
+                </a:highlight>
+                <a:latin typeface="Consolas" panose="020B0609020204030204" pitchFamily="49" charset="0"/>
+              </a:rPr>
+              <a:t>sk</a:t>
+            </a:r>
+            <a:r>
+              <a:rPr lang="sk-SK" sz="2800" dirty="0">
+                <a:highlight>
+                  <a:srgbClr val="FFFF00"/>
+                </a:highlight>
+                <a:latin typeface="Consolas" panose="020B0609020204030204" pitchFamily="49" charset="0"/>
+              </a:rPr>
+              <a:t>\</a:t>
+            </a:r>
+            <a:r>
+              <a:rPr lang="sk-SK" sz="2800" dirty="0" err="1">
+                <a:highlight>
+                  <a:srgbClr val="FFFF00"/>
+                </a:highlight>
+                <a:latin typeface="Consolas" panose="020B0609020204030204" pitchFamily="49" charset="0"/>
+              </a:rPr>
+              <a:t>spse</a:t>
+            </a:r>
+            <a:endParaRPr lang="sk-SK" sz="2800" dirty="0">
+              <a:highlight>
+                <a:srgbClr val="FFFF00"/>
+              </a:highlight>
+              <a:latin typeface="Consolas" panose="020B0609020204030204" pitchFamily="49" charset="0"/>
+            </a:endParaRPr>
+          </a:p>
+          <a:p>
+            <a:pPr lvl="1"/>
+            <a:r>
+              <a:rPr lang="sk-SK" sz="2800" dirty="0"/>
+              <a:t>Na veľkosti písmen </a:t>
+            </a:r>
+            <a:r>
+              <a:rPr lang="sk-SK" sz="2800" b="1" dirty="0"/>
+              <a:t>závisí</a:t>
+            </a:r>
           </a:p>
         </p:txBody>
       </p:sp>
@@ -5565,14 +4411,9 @@
           <a:lstStyle/>
           <a:p>
             <a:r>
-              <a:rPr lang="en-US" dirty="0"/>
-              <a:t>Hangman - </a:t>
-            </a:r>
-            <a:r>
-              <a:rPr lang="en-US" dirty="0" err="1"/>
-              <a:t>obesenec</a:t>
-            </a:r>
-            <a:endParaRPr lang="sk-SK" dirty="0"/>
+              <a:rPr lang="sk-SK" dirty="0"/>
+              <a:t>Vytváranie tried</a:t>
+            </a:r>
           </a:p>
         </p:txBody>
       </p:sp>
@@ -5605,7 +4446,7 @@
         <p:cNvPr id="1" name="">
           <a:extLst>
             <a:ext uri="{FF2B5EF4-FFF2-40B4-BE49-F238E27FC236}">
-              <a16:creationId xmlns:a16="http://schemas.microsoft.com/office/drawing/2014/main" id="{B1152F34-B1B4-06C7-0405-A9071C7816C2}"/>
+              <a16:creationId xmlns:a16="http://schemas.microsoft.com/office/drawing/2014/main" id="{107EFD07-FE0F-9EBF-E9E5-3E4F99E27B0B}"/>
             </a:ext>
           </a:extLst>
         </p:cNvPr>
@@ -5625,7 +4466,7 @@
           <p:cNvPr id="3" name="Zástupný objekt pre obsah 2">
             <a:extLst>
               <a:ext uri="{FF2B5EF4-FFF2-40B4-BE49-F238E27FC236}">
-                <a16:creationId xmlns:a16="http://schemas.microsoft.com/office/drawing/2014/main" id="{2108DB80-F28D-64AD-5CA4-F47029C9B71B}"/>
+                <a16:creationId xmlns:a16="http://schemas.microsoft.com/office/drawing/2014/main" id="{883603E0-75E1-A949-3C9C-BD52C426EFE9}"/>
               </a:ext>
             </a:extLst>
           </p:cNvPr>
@@ -5656,53 +4497,24 @@
             </a:pPr>
             <a:r>
               <a:rPr lang="sk-SK" dirty="0"/>
-              <a:t>Návrh riešenia:</a:t>
-            </a:r>
-          </a:p>
-          <a:p>
-            <a:pPr lvl="1">
+              <a:t>Definíciu metód píšeme do vnútra triedy. Každá metóda má okrem názvu aj návratový typ a zoznam vstupných argumentov.</a:t>
+            </a:r>
+            <a:endParaRPr lang="en-US" dirty="0"/>
+          </a:p>
+          <a:p>
+            <a:pPr marL="0" indent="0">
               <a:spcBef>
                 <a:spcPts val="1200"/>
               </a:spcBef>
+              <a:buNone/>
             </a:pPr>
+            <a:endParaRPr lang="en-US" dirty="0"/>
+          </a:p>
+          <a:p>
+            <a:pPr lvl="1"/>
             <a:r>
               <a:rPr lang="sk-SK" sz="2800" dirty="0"/>
-              <a:t>Vytvoríme 3 triedy</a:t>
-            </a:r>
-          </a:p>
-          <a:p>
-            <a:pPr lvl="1">
-              <a:spcBef>
-                <a:spcPts val="1200"/>
-              </a:spcBef>
-            </a:pPr>
-            <a:r>
-              <a:rPr lang="sk-SK" sz="2800" dirty="0"/>
-              <a:t>Trieda </a:t>
-            </a:r>
-            <a:r>
-              <a:rPr lang="sk-SK" sz="2800" dirty="0">
-                <a:highlight>
-                  <a:srgbClr val="FFFF00"/>
-                </a:highlight>
-                <a:latin typeface="Consolas" panose="020B0609020204030204" pitchFamily="49" charset="0"/>
-              </a:rPr>
-              <a:t>Stav</a:t>
-            </a:r>
-            <a:r>
-              <a:rPr lang="sk-SK" sz="2800" dirty="0"/>
-              <a:t> bude spravovať stav hry: hádané slovo, uhádnuté znaky a počet ostávajúcich pokusov</a:t>
-            </a:r>
-          </a:p>
-          <a:p>
-            <a:pPr lvl="1">
-              <a:spcBef>
-                <a:spcPts val="1200"/>
-              </a:spcBef>
-            </a:pPr>
-            <a:r>
-              <a:rPr lang="sk-SK" sz="2800" dirty="0"/>
-              <a:t>Trieda </a:t>
+              <a:t>Ak trieda nevracia žiadnu hodnotu, ako návratový typ uvedieme kľúčové slovo </a:t>
             </a:r>
             <a:r>
               <a:rPr lang="sk-SK" sz="2800" dirty="0" err="1">
@@ -5711,47 +4523,7 @@
                 </a:highlight>
                 <a:latin typeface="Consolas" panose="020B0609020204030204" pitchFamily="49" charset="0"/>
               </a:rPr>
-              <a:t>TextoveUI</a:t>
-            </a:r>
-            <a:r>
-              <a:rPr lang="sk-SK" sz="2800" dirty="0"/>
-              <a:t> bude mať na starosť užívateľské rozhranie: výpis na obrazovku a načítavanie z klávesnice</a:t>
-            </a:r>
-          </a:p>
-          <a:p>
-            <a:pPr lvl="1">
-              <a:spcBef>
-                <a:spcPts val="1200"/>
-              </a:spcBef>
-            </a:pPr>
-            <a:r>
-              <a:rPr lang="sk-SK" sz="2800" dirty="0"/>
-              <a:t>Trieda </a:t>
-            </a:r>
-            <a:r>
-              <a:rPr lang="sk-SK" sz="2800" dirty="0">
-                <a:highlight>
-                  <a:srgbClr val="FFFF00"/>
-                </a:highlight>
-                <a:latin typeface="Consolas" panose="020B0609020204030204" pitchFamily="49" charset="0"/>
-              </a:rPr>
-              <a:t>Hra</a:t>
-            </a:r>
-            <a:r>
-              <a:rPr lang="sk-SK" sz="2800" dirty="0"/>
-              <a:t> bude mať </a:t>
-            </a:r>
-            <a:r>
-              <a:rPr lang="sk-SK" sz="2800" dirty="0" err="1"/>
-              <a:t>hlav</a:t>
-            </a:r>
-            <a:r>
-              <a:rPr lang="en-US" sz="2800" dirty="0"/>
-              <a:t>n</a:t>
-            </a:r>
-            <a:r>
-              <a:rPr lang="sk-SK" sz="2800" dirty="0"/>
-              <a:t>ú logiku hry a vstupný bod programu</a:t>
+              <a:t>void</a:t>
             </a:r>
             <a:endParaRPr lang="sk-SK" sz="2800" dirty="0">
               <a:highlight>
@@ -5760,6 +4532,106 @@
               <a:latin typeface="Consolas" panose="020B0609020204030204" pitchFamily="49" charset="0"/>
             </a:endParaRPr>
           </a:p>
+          <a:p>
+            <a:pPr lvl="1"/>
+            <a:r>
+              <a:rPr lang="sk-SK" sz="2800" dirty="0"/>
+              <a:t>Metóda má svoj modifikátor prístupu (</a:t>
+            </a:r>
+            <a:r>
+              <a:rPr lang="sk-SK" sz="2800" dirty="0" err="1">
+                <a:highlight>
+                  <a:srgbClr val="FFFF00"/>
+                </a:highlight>
+                <a:latin typeface="Consolas" panose="020B0609020204030204" pitchFamily="49" charset="0"/>
+              </a:rPr>
+              <a:t>public</a:t>
+            </a:r>
+            <a:r>
+              <a:rPr lang="sk-SK" sz="2800" dirty="0"/>
+              <a:t>, </a:t>
+            </a:r>
+            <a:r>
+              <a:rPr lang="sk-SK" sz="2800" dirty="0" err="1">
+                <a:highlight>
+                  <a:srgbClr val="FFFF00"/>
+                </a:highlight>
+                <a:latin typeface="Consolas" panose="020B0609020204030204" pitchFamily="49" charset="0"/>
+              </a:rPr>
+              <a:t>private</a:t>
+            </a:r>
+            <a:r>
+              <a:rPr lang="sk-SK" sz="2800" dirty="0"/>
+              <a:t>, ...)</a:t>
+            </a:r>
+          </a:p>
+          <a:p>
+            <a:pPr lvl="1"/>
+            <a:r>
+              <a:rPr lang="sk-SK" sz="2800" dirty="0"/>
+              <a:t>Statickú metódu deklarujeme s kľúčovým slovom </a:t>
+            </a:r>
+            <a:r>
+              <a:rPr lang="sk-SK" sz="2800" dirty="0" err="1">
+                <a:highlight>
+                  <a:srgbClr val="FFFF00"/>
+                </a:highlight>
+                <a:latin typeface="Consolas" panose="020B0609020204030204" pitchFamily="49" charset="0"/>
+              </a:rPr>
+              <a:t>static</a:t>
+            </a:r>
+            <a:endParaRPr lang="sk-SK" sz="2800" dirty="0">
+              <a:highlight>
+                <a:srgbClr val="FFFF00"/>
+              </a:highlight>
+              <a:latin typeface="Consolas" panose="020B0609020204030204" pitchFamily="49" charset="0"/>
+            </a:endParaRPr>
+          </a:p>
+          <a:p>
+            <a:pPr lvl="1"/>
+            <a:r>
+              <a:rPr lang="sk-SK" sz="2800" dirty="0"/>
+              <a:t>Vnútri inštančnej metódy môžeme použiť </a:t>
+            </a:r>
+            <a:r>
+              <a:rPr lang="sk-SK" sz="2800" dirty="0" err="1">
+                <a:highlight>
+                  <a:srgbClr val="FFFF00"/>
+                </a:highlight>
+                <a:latin typeface="Consolas" panose="020B0609020204030204" pitchFamily="49" charset="0"/>
+              </a:rPr>
+              <a:t>this</a:t>
+            </a:r>
+            <a:r>
+              <a:rPr lang="sk-SK" sz="2800" dirty="0"/>
+              <a:t> ako odkaz na aktuálny objekt. Statické metódy nemajú </a:t>
+            </a:r>
+            <a:r>
+              <a:rPr lang="sk-SK" sz="2800" dirty="0" err="1">
+                <a:highlight>
+                  <a:srgbClr val="FFFF00"/>
+                </a:highlight>
+                <a:latin typeface="Consolas" panose="020B0609020204030204" pitchFamily="49" charset="0"/>
+              </a:rPr>
+              <a:t>this</a:t>
+            </a:r>
+            <a:r>
+              <a:rPr lang="sk-SK" sz="2800" dirty="0"/>
+              <a:t> k d</a:t>
+            </a:r>
+            <a:r>
+              <a:rPr lang="en-US" sz="2800" dirty="0" err="1"/>
+              <a:t>i</a:t>
+            </a:r>
+            <a:r>
+              <a:rPr lang="sk-SK" sz="2800" dirty="0" err="1"/>
+              <a:t>spozícii</a:t>
+            </a:r>
+            <a:r>
+              <a:rPr lang="sk-SK" sz="2800" dirty="0"/>
+              <a:t>.</a:t>
+            </a:r>
+          </a:p>
         </p:txBody>
       </p:sp>
       <p:sp>
@@ -5767,7 +4639,7 @@
           <p:cNvPr id="5" name="Nadpis 4">
             <a:extLst>
               <a:ext uri="{FF2B5EF4-FFF2-40B4-BE49-F238E27FC236}">
-                <a16:creationId xmlns:a16="http://schemas.microsoft.com/office/drawing/2014/main" id="{A457F096-91A9-0A7D-8334-9ADF2A4083A2}"/>
+                <a16:creationId xmlns:a16="http://schemas.microsoft.com/office/drawing/2014/main" id="{51F5EBB2-5E0B-314D-CCFD-0CF7DAC27B7C}"/>
               </a:ext>
             </a:extLst>
           </p:cNvPr>
@@ -5784,21 +4656,16 @@
           <a:lstStyle/>
           <a:p>
             <a:r>
-              <a:rPr lang="en-US" dirty="0"/>
-              <a:t>Hangman - </a:t>
-            </a:r>
-            <a:r>
-              <a:rPr lang="en-US" dirty="0" err="1"/>
-              <a:t>obesenec</a:t>
-            </a:r>
-            <a:endParaRPr lang="sk-SK" dirty="0"/>
+              <a:rPr lang="sk-SK" dirty="0"/>
+              <a:t>Vytváranie metód</a:t>
+            </a:r>
           </a:p>
         </p:txBody>
       </p:sp>
     </p:spTree>
     <p:extLst>
       <p:ext uri="{BB962C8B-B14F-4D97-AF65-F5344CB8AC3E}">
-        <p14:creationId xmlns:p14="http://schemas.microsoft.com/office/powerpoint/2010/main" val="3995462175"/>
+        <p14:creationId xmlns:p14="http://schemas.microsoft.com/office/powerpoint/2010/main" val="3566407342"/>
       </p:ext>
     </p:extLst>
   </p:cSld>
@@ -5872,15 +4739,7 @@
             </a:pPr>
             <a:r>
               <a:rPr lang="sk-SK" dirty="0"/>
-              <a:t>V </a:t>
-            </a:r>
-            <a:r>
-              <a:rPr lang="sk-SK" dirty="0" err="1"/>
-              <a:t>IntelliJ</a:t>
-            </a:r>
-            <a:r>
-              <a:rPr lang="sk-SK" dirty="0"/>
-              <a:t> IDEA si vytvoríme nový Java projekt s názvom </a:t>
+              <a:t>Vytvorte triedu </a:t>
             </a:r>
             <a:r>
               <a:rPr lang="sk-SK" dirty="0" err="1">
@@ -5889,41 +4748,56 @@
                 </a:highlight>
                 <a:latin typeface="Consolas" panose="020B0609020204030204" pitchFamily="49" charset="0"/>
               </a:rPr>
-              <a:t>Hangman</a:t>
+              <a:t>sk.spse.strava.Potravina</a:t>
             </a:r>
             <a:r>
               <a:rPr lang="sk-SK" dirty="0"/>
-              <a:t>. </a:t>
-            </a:r>
-            <a:endParaRPr lang="en-US" dirty="0"/>
-          </a:p>
-          <a:p>
-            <a:pPr marL="0" indent="0">
-              <a:lnSpc>
-                <a:spcPct val="100000"/>
-              </a:lnSpc>
-              <a:buNone/>
-            </a:pPr>
+              <a:t>, ktorá bude obsahovať atribúty </a:t>
+            </a:r>
+            <a:r>
+              <a:rPr lang="sk-SK" dirty="0" err="1">
+                <a:highlight>
+                  <a:srgbClr val="FFFF00"/>
+                </a:highlight>
+                <a:latin typeface="Consolas" panose="020B0609020204030204" pitchFamily="49" charset="0"/>
+              </a:rPr>
+              <a:t>nazov</a:t>
+            </a:r>
             <a:r>
               <a:rPr lang="sk-SK" dirty="0"/>
-              <a:t>Pri vytváraní vypneme možnosť vytvorenia </a:t>
-            </a:r>
-            <a:r>
-              <a:rPr lang="sk-SK" i="1" dirty="0" err="1"/>
-              <a:t>Sample</a:t>
-            </a:r>
-            <a:r>
-              <a:rPr lang="sk-SK" i="1" dirty="0"/>
-              <a:t> </a:t>
-            </a:r>
-            <a:r>
-              <a:rPr lang="sk-SK" i="1" dirty="0" err="1"/>
-              <a:t>code</a:t>
+              <a:t>, </a:t>
+            </a:r>
+            <a:r>
+              <a:rPr lang="sk-SK" dirty="0">
+                <a:highlight>
+                  <a:srgbClr val="FFFF00"/>
+                </a:highlight>
+                <a:latin typeface="Consolas" panose="020B0609020204030204" pitchFamily="49" charset="0"/>
+              </a:rPr>
+              <a:t>cena</a:t>
             </a:r>
             <a:r>
               <a:rPr lang="sk-SK" dirty="0"/>
-              <a:t>, ukážkového kódu.</a:t>
-            </a:r>
+              <a:t> a </a:t>
+            </a:r>
+            <a:r>
+              <a:rPr lang="sk-SK" dirty="0" err="1">
+                <a:highlight>
+                  <a:srgbClr val="FFFF00"/>
+                </a:highlight>
+                <a:latin typeface="Consolas" panose="020B0609020204030204" pitchFamily="49" charset="0"/>
+              </a:rPr>
+              <a:t>kalorie</a:t>
+            </a:r>
+            <a:r>
+              <a:rPr lang="sk-SK" dirty="0"/>
+              <a:t> a konštruktor, ktorý nastaví atribúty</a:t>
+            </a:r>
+            <a:r>
+              <a:rPr lang="en-US" dirty="0"/>
+              <a:t>/</a:t>
+            </a:r>
+            <a:endParaRPr lang="sk-SK" dirty="0"/>
           </a:p>
         </p:txBody>
       </p:sp>
@@ -5950,7 +4824,7 @@
           <a:p>
             <a:r>
               <a:rPr lang="sk-SK" dirty="0"/>
-              <a:t>Úloha 7.1: Nový projekt</a:t>
+              <a:t>Úloha 7.1: Trieda Potravina</a:t>
             </a:r>
           </a:p>
         </p:txBody>
@@ -5971,7 +4845,7 @@
         </p:nvSpPr>
         <p:spPr>
           <a:xfrm>
-            <a:off x="771144" y="3547872"/>
+            <a:off x="838200" y="2896978"/>
             <a:ext cx="10515600" cy="1325563"/>
           </a:xfrm>
           <a:prstGeom prst="rect">
@@ -6004,7 +4878,15 @@
           <a:p>
             <a:r>
               <a:rPr lang="sk-SK" dirty="0"/>
-              <a:t>Úloha 7.2: Trieda Stav</a:t>
+              <a:t>Úloha 7.2: </a:t>
+            </a:r>
+            <a:r>
+              <a:rPr lang="sk-SK" dirty="0" err="1"/>
+              <a:t>Getter</a:t>
+            </a:r>
+            <a:r>
+              <a:rPr lang="sk-SK" dirty="0"/>
+              <a:t> atribúty</a:t>
             </a:r>
           </a:p>
         </p:txBody>
@@ -6025,8 +4907,8 @@
         </p:nvSpPr>
         <p:spPr>
           <a:xfrm>
-            <a:off x="1144741" y="4754161"/>
-            <a:ext cx="10422417" cy="1472903"/>
+            <a:off x="931383" y="4222541"/>
+            <a:ext cx="10422417" cy="2159971"/>
           </a:xfrm>
           <a:prstGeom prst="rect">
             <a:avLst/>
@@ -6202,27 +5084,95 @@
           </a:lstStyle>
           <a:p>
             <a:pPr marL="0" indent="0">
-              <a:lnSpc>
-                <a:spcPct val="100000"/>
-              </a:lnSpc>
               <a:buNone/>
             </a:pPr>
             <a:r>
               <a:rPr lang="sk-SK" dirty="0"/>
-              <a:t>Vytvorte novú triedu </a:t>
-            </a:r>
-            <a:r>
-              <a:rPr lang="sk-SK" dirty="0" err="1">
+              <a:t>V triede </a:t>
+            </a:r>
+            <a:r>
+              <a:rPr lang="sk-SK" dirty="0">
                 <a:highlight>
                   <a:srgbClr val="FFFF00"/>
                 </a:highlight>
                 <a:latin typeface="Consolas" panose="020B0609020204030204" pitchFamily="49" charset="0"/>
               </a:rPr>
-              <a:t>sk.spse.hangman.Stav</a:t>
+              <a:t>Potravina</a:t>
             </a:r>
             <a:r>
               <a:rPr lang="sk-SK" dirty="0"/>
-              <a:t> a pridajte do nej atribúty a konštruktor podľa príkladu v učebnici.</a:t>
+              <a:t> vytvorte nasledovné </a:t>
+            </a:r>
+            <a:r>
+              <a:rPr lang="sk-SK" dirty="0" err="1"/>
+              <a:t>getter</a:t>
+            </a:r>
+            <a:r>
+              <a:rPr lang="sk-SK" dirty="0"/>
+              <a:t> metódy</a:t>
+            </a:r>
+          </a:p>
+          <a:p>
+            <a:pPr lvl="1"/>
+            <a:r>
+              <a:rPr lang="sk-SK" sz="2800" dirty="0" err="1">
+                <a:highlight>
+                  <a:srgbClr val="FFFF00"/>
+                </a:highlight>
+                <a:latin typeface="Consolas" panose="020B0609020204030204" pitchFamily="49" charset="0"/>
+              </a:rPr>
+              <a:t>getNazov</a:t>
+            </a:r>
+            <a:r>
+              <a:rPr lang="sk-SK" sz="2800" dirty="0">
+                <a:highlight>
+                  <a:srgbClr val="FFFF00"/>
+                </a:highlight>
+                <a:latin typeface="Consolas" panose="020B0609020204030204" pitchFamily="49" charset="0"/>
+              </a:rPr>
+              <a:t>()</a:t>
+            </a:r>
+          </a:p>
+          <a:p>
+            <a:pPr lvl="1"/>
+            <a:r>
+              <a:rPr lang="sk-SK" sz="2800" dirty="0" err="1">
+                <a:highlight>
+                  <a:srgbClr val="FFFF00"/>
+                </a:highlight>
+                <a:latin typeface="Consolas" panose="020B0609020204030204" pitchFamily="49" charset="0"/>
+              </a:rPr>
+              <a:t>getCena</a:t>
+            </a:r>
+            <a:r>
+              <a:rPr lang="sk-SK" sz="2800" dirty="0">
+                <a:highlight>
+                  <a:srgbClr val="FFFF00"/>
+                </a:highlight>
+                <a:latin typeface="Consolas" panose="020B0609020204030204" pitchFamily="49" charset="0"/>
+              </a:rPr>
+              <a:t>()</a:t>
+            </a:r>
+          </a:p>
+          <a:p>
+            <a:pPr lvl="1"/>
+            <a:r>
+              <a:rPr lang="sk-SK" sz="2800" dirty="0" err="1">
+                <a:highlight>
+                  <a:srgbClr val="FFFF00"/>
+                </a:highlight>
+                <a:latin typeface="Consolas" panose="020B0609020204030204" pitchFamily="49" charset="0"/>
+              </a:rPr>
+              <a:t>getKalorie</a:t>
+            </a:r>
+            <a:r>
+              <a:rPr lang="sk-SK" dirty="0">
+                <a:highlight>
+                  <a:srgbClr val="FFFF00"/>
+                </a:highlight>
+                <a:latin typeface="Consolas" panose="020B0609020204030204" pitchFamily="49" charset="0"/>
+              </a:rPr>
+              <a:t>()</a:t>
             </a:r>
           </a:p>
         </p:txBody>
@@ -6289,8 +5239,8 @@
         </p:nvSpPr>
         <p:spPr>
           <a:xfrm>
-            <a:off x="605246" y="1516550"/>
-            <a:ext cx="11254522" cy="4847673"/>
+            <a:off x="1099022" y="1553127"/>
+            <a:ext cx="7999258" cy="2086186"/>
           </a:xfrm>
         </p:spPr>
         <p:txBody>
@@ -6306,402 +5256,108 @@
               <a:buNone/>
             </a:pPr>
             <a:r>
-              <a:rPr lang="sk-SK" sz="2400" dirty="0"/>
-              <a:t>Vytvorte nasledovné </a:t>
-            </a:r>
-            <a:r>
-              <a:rPr lang="sk-SK" sz="2400" dirty="0" err="1"/>
-              <a:t>getter</a:t>
-            </a:r>
-            <a:r>
-              <a:rPr lang="sk-SK" sz="2400" dirty="0"/>
-              <a:t> metódy v triede Stav:</a:t>
-            </a:r>
-          </a:p>
-          <a:p>
-            <a:pPr marL="457200" indent="-457200">
-              <a:lnSpc>
-                <a:spcPct val="100000"/>
-              </a:lnSpc>
-              <a:buFont typeface="+mj-lt"/>
-              <a:buAutoNum type="arabicPeriod"/>
-            </a:pPr>
-            <a:r>
-              <a:rPr lang="sk-SK" sz="2400" dirty="0" err="1">
+              <a:rPr lang="sk-SK" dirty="0"/>
+              <a:t>V triede </a:t>
+            </a:r>
+            <a:r>
+              <a:rPr lang="sk-SK" dirty="0" err="1">
                 <a:highlight>
                   <a:srgbClr val="FFFF00"/>
                 </a:highlight>
                 <a:latin typeface="Consolas" panose="020B0609020204030204" pitchFamily="49" charset="0"/>
               </a:rPr>
-              <a:t>public</a:t>
-            </a:r>
-            <a:r>
-              <a:rPr lang="sk-SK" sz="2400" dirty="0">
+              <a:t>sk.spse.strava.Potravina</a:t>
+            </a:r>
+            <a:r>
+              <a:rPr lang="sk-SK" dirty="0">
                 <a:highlight>
                   <a:srgbClr val="FFFF00"/>
                 </a:highlight>
                 <a:latin typeface="Consolas" panose="020B0609020204030204" pitchFamily="49" charset="0"/>
               </a:rPr>
-              <a:t> boolean </a:t>
-            </a:r>
-            <a:r>
-              <a:rPr lang="sk-SK" sz="2400" dirty="0" err="1">
+              <a:t> </a:t>
+            </a:r>
+            <a:r>
+              <a:rPr lang="sk-SK" dirty="0"/>
+              <a:t>vytvorte metódu </a:t>
+            </a:r>
+            <a:r>
+              <a:rPr lang="sk-SK" dirty="0" err="1">
                 <a:highlight>
                   <a:srgbClr val="FFFF00"/>
                 </a:highlight>
                 <a:latin typeface="Consolas" panose="020B0609020204030204" pitchFamily="49" charset="0"/>
               </a:rPr>
-              <a:t>isVyhra</a:t>
-            </a:r>
-            <a:r>
-              <a:rPr lang="sk-SK" sz="2400" dirty="0">
+              <a:t>toString</a:t>
+            </a:r>
+            <a:r>
+              <a:rPr lang="sk-SK" dirty="0">
                 <a:highlight>
                   <a:srgbClr val="FFFF00"/>
                 </a:highlight>
                 <a:latin typeface="Consolas" panose="020B0609020204030204" pitchFamily="49" charset="0"/>
               </a:rPr>
-              <a:t>()</a:t>
-            </a:r>
-            <a:r>
-              <a:rPr lang="sk-SK" sz="2400" dirty="0"/>
-              <a:t> - vráti hodnotu atribútu </a:t>
-            </a:r>
-            <a:r>
-              <a:rPr lang="sk-SK" sz="2400" dirty="0" err="1">
+              <a:t>().</a:t>
+            </a:r>
+          </a:p>
+          <a:p>
+            <a:pPr marL="0" indent="0">
+              <a:lnSpc>
+                <a:spcPct val="100000"/>
+              </a:lnSpc>
+              <a:buNone/>
+            </a:pPr>
+            <a:r>
+              <a:rPr lang="sk-SK" dirty="0"/>
+              <a:t>Táto metóda nech vráti reťazec tvaru </a:t>
+            </a:r>
+            <a:br>
+              <a:rPr lang="sk-SK" dirty="0"/>
+            </a:br>
+            <a:r>
+              <a:rPr lang="sk-SK" dirty="0">
                 <a:highlight>
                   <a:srgbClr val="FFFF00"/>
                 </a:highlight>
                 <a:latin typeface="Consolas" panose="020B0609020204030204" pitchFamily="49" charset="0"/>
               </a:rPr>
-              <a:t>vyhra</a:t>
-            </a:r>
-            <a:endParaRPr lang="sk-SK" sz="2400" dirty="0">
-              <a:highlight>
-                <a:srgbClr val="FFFF00"/>
-              </a:highlight>
-              <a:latin typeface="Consolas" panose="020B0609020204030204" pitchFamily="49" charset="0"/>
-            </a:endParaRPr>
-          </a:p>
-          <a:p>
-            <a:pPr marL="457200" indent="-457200">
-              <a:lnSpc>
-                <a:spcPct val="100000"/>
-              </a:lnSpc>
-              <a:buFont typeface="+mj-lt"/>
-              <a:buAutoNum type="arabicPeriod"/>
-            </a:pPr>
-            <a:r>
-              <a:rPr lang="sk-SK" sz="2400" dirty="0" err="1">
+              <a:t>&lt;</a:t>
+            </a:r>
+            <a:r>
+              <a:rPr lang="sk-SK" dirty="0" err="1">
                 <a:highlight>
                   <a:srgbClr val="FFFF00"/>
                 </a:highlight>
                 <a:latin typeface="Consolas" panose="020B0609020204030204" pitchFamily="49" charset="0"/>
               </a:rPr>
-              <a:t>public</a:t>
-            </a:r>
-            <a:r>
-              <a:rPr lang="sk-SK" sz="2400" dirty="0">
+              <a:t>nazov</a:t>
+            </a:r>
+            <a:r>
+              <a:rPr lang="sk-SK" dirty="0">
                 <a:highlight>
                   <a:srgbClr val="FFFF00"/>
                 </a:highlight>
                 <a:latin typeface="Consolas" panose="020B0609020204030204" pitchFamily="49" charset="0"/>
               </a:rPr>
-              <a:t> boolean </a:t>
-            </a:r>
-            <a:r>
-              <a:rPr lang="sk-SK" sz="2400" dirty="0" err="1">
+              <a:t>&gt; (&lt;cena&gt;eur &lt;</a:t>
+            </a:r>
+            <a:r>
+              <a:rPr lang="sk-SK" dirty="0" err="1">
                 <a:highlight>
                   <a:srgbClr val="FFFF00"/>
                 </a:highlight>
                 <a:latin typeface="Consolas" panose="020B0609020204030204" pitchFamily="49" charset="0"/>
               </a:rPr>
-              <a:t>isGameOver</a:t>
-            </a:r>
-            <a:r>
-              <a:rPr lang="sk-SK" sz="2400" dirty="0">
+              <a:t>kalorie</a:t>
+            </a:r>
+            <a:r>
+              <a:rPr lang="sk-SK" dirty="0">
                 <a:highlight>
                   <a:srgbClr val="FFFF00"/>
                 </a:highlight>
                 <a:latin typeface="Consolas" panose="020B0609020204030204" pitchFamily="49" charset="0"/>
               </a:rPr>
-              <a:t>()</a:t>
-            </a:r>
-            <a:r>
-              <a:rPr lang="sk-SK" sz="2400" dirty="0"/>
-              <a:t> - vráti </a:t>
-            </a:r>
-            <a:r>
-              <a:rPr lang="sk-SK" sz="2400" dirty="0" err="1">
-                <a:highlight>
-                  <a:srgbClr val="FFFF00"/>
-                </a:highlight>
-                <a:latin typeface="Consolas" panose="020B0609020204030204" pitchFamily="49" charset="0"/>
-              </a:rPr>
-              <a:t>true</a:t>
-            </a:r>
-            <a:r>
-              <a:rPr lang="sk-SK" sz="2400" dirty="0"/>
-              <a:t>, ak je počet pokusov menší ako 1 alebo ak sme vyhrali, ináč vráti </a:t>
-            </a:r>
-            <a:r>
-              <a:rPr lang="sk-SK" sz="2400" dirty="0" err="1">
-                <a:highlight>
-                  <a:srgbClr val="FFFF00"/>
-                </a:highlight>
-                <a:latin typeface="Consolas" panose="020B0609020204030204" pitchFamily="49" charset="0"/>
-              </a:rPr>
-              <a:t>false</a:t>
-            </a:r>
-            <a:endParaRPr lang="sk-SK" sz="2400" dirty="0">
-              <a:highlight>
-                <a:srgbClr val="FFFF00"/>
-              </a:highlight>
-              <a:latin typeface="Consolas" panose="020B0609020204030204" pitchFamily="49" charset="0"/>
-            </a:endParaRPr>
-          </a:p>
-          <a:p>
-            <a:pPr marL="457200" indent="-457200">
-              <a:lnSpc>
-                <a:spcPct val="100000"/>
-              </a:lnSpc>
-              <a:buFont typeface="+mj-lt"/>
-              <a:buAutoNum type="arabicPeriod"/>
-            </a:pPr>
-            <a:r>
-              <a:rPr lang="sk-SK" sz="2400" dirty="0" err="1">
-                <a:highlight>
-                  <a:srgbClr val="FFFF00"/>
-                </a:highlight>
-                <a:latin typeface="Consolas" panose="020B0609020204030204" pitchFamily="49" charset="0"/>
-              </a:rPr>
-              <a:t>public</a:t>
-            </a:r>
-            <a:r>
-              <a:rPr lang="sk-SK" sz="2400" dirty="0">
-                <a:highlight>
-                  <a:srgbClr val="FFFF00"/>
-                </a:highlight>
-                <a:latin typeface="Consolas" panose="020B0609020204030204" pitchFamily="49" charset="0"/>
-              </a:rPr>
-              <a:t> </a:t>
-            </a:r>
-            <a:r>
-              <a:rPr lang="sk-SK" sz="2400" dirty="0" err="1">
-                <a:highlight>
-                  <a:srgbClr val="FFFF00"/>
-                </a:highlight>
-                <a:latin typeface="Consolas" panose="020B0609020204030204" pitchFamily="49" charset="0"/>
-              </a:rPr>
-              <a:t>int</a:t>
-            </a:r>
-            <a:r>
-              <a:rPr lang="sk-SK" sz="2400" dirty="0">
-                <a:highlight>
-                  <a:srgbClr val="FFFF00"/>
-                </a:highlight>
-                <a:latin typeface="Consolas" panose="020B0609020204030204" pitchFamily="49" charset="0"/>
-              </a:rPr>
-              <a:t> </a:t>
-            </a:r>
-            <a:r>
-              <a:rPr lang="sk-SK" sz="2400" dirty="0" err="1">
-                <a:highlight>
-                  <a:srgbClr val="FFFF00"/>
-                </a:highlight>
-                <a:latin typeface="Consolas" panose="020B0609020204030204" pitchFamily="49" charset="0"/>
-              </a:rPr>
-              <a:t>getOstavaPokusov</a:t>
-            </a:r>
-            <a:r>
-              <a:rPr lang="sk-SK" sz="2400" dirty="0">
-                <a:highlight>
-                  <a:srgbClr val="FFFF00"/>
-                </a:highlight>
-                <a:latin typeface="Consolas" panose="020B0609020204030204" pitchFamily="49" charset="0"/>
-              </a:rPr>
-              <a:t>()</a:t>
-            </a:r>
-            <a:r>
-              <a:rPr lang="sk-SK" sz="2400" dirty="0"/>
-              <a:t> - vráti zostávajúci počet pokusov</a:t>
-            </a:r>
-          </a:p>
-          <a:p>
-            <a:pPr marL="457200" indent="-457200">
-              <a:lnSpc>
-                <a:spcPct val="100000"/>
-              </a:lnSpc>
-              <a:buFont typeface="+mj-lt"/>
-              <a:buAutoNum type="arabicPeriod"/>
-            </a:pPr>
-            <a:r>
-              <a:rPr lang="sk-SK" sz="2400" dirty="0" err="1">
-                <a:highlight>
-                  <a:srgbClr val="FFFF00"/>
-                </a:highlight>
-                <a:latin typeface="Consolas" panose="020B0609020204030204" pitchFamily="49" charset="0"/>
-              </a:rPr>
-              <a:t>public</a:t>
-            </a:r>
-            <a:r>
-              <a:rPr lang="sk-SK" sz="2400" dirty="0">
-                <a:highlight>
-                  <a:srgbClr val="FFFF00"/>
-                </a:highlight>
-                <a:latin typeface="Consolas" panose="020B0609020204030204" pitchFamily="49" charset="0"/>
-              </a:rPr>
-              <a:t> </a:t>
-            </a:r>
-            <a:r>
-              <a:rPr lang="sk-SK" sz="2400" dirty="0" err="1">
-                <a:highlight>
-                  <a:srgbClr val="FFFF00"/>
-                </a:highlight>
-                <a:latin typeface="Consolas" panose="020B0609020204030204" pitchFamily="49" charset="0"/>
-              </a:rPr>
-              <a:t>String</a:t>
-            </a:r>
-            <a:r>
-              <a:rPr lang="sk-SK" sz="2400" dirty="0">
-                <a:highlight>
-                  <a:srgbClr val="FFFF00"/>
-                </a:highlight>
-                <a:latin typeface="Consolas" panose="020B0609020204030204" pitchFamily="49" charset="0"/>
-              </a:rPr>
-              <a:t> </a:t>
-            </a:r>
-            <a:r>
-              <a:rPr lang="sk-SK" sz="2400" dirty="0" err="1">
-                <a:highlight>
-                  <a:srgbClr val="FFFF00"/>
-                </a:highlight>
-                <a:latin typeface="Consolas" panose="020B0609020204030204" pitchFamily="49" charset="0"/>
-              </a:rPr>
-              <a:t>getHadaneSlovo</a:t>
-            </a:r>
-            <a:r>
-              <a:rPr lang="sk-SK" sz="2400" dirty="0">
-                <a:highlight>
-                  <a:srgbClr val="FFFF00"/>
-                </a:highlight>
-                <a:latin typeface="Consolas" panose="020B0609020204030204" pitchFamily="49" charset="0"/>
-              </a:rPr>
-              <a:t>()</a:t>
-            </a:r>
-            <a:r>
-              <a:rPr lang="sk-SK" sz="2400" dirty="0"/>
-              <a:t> - vráti hádané slovo. Bonus: slovo vráti, iba ak hra skončila, ináč vyhodí výnimku</a:t>
-            </a:r>
-          </a:p>
-          <a:p>
-            <a:pPr marL="457200" indent="-457200">
-              <a:lnSpc>
-                <a:spcPct val="100000"/>
-              </a:lnSpc>
-              <a:buFont typeface="+mj-lt"/>
-              <a:buAutoNum type="arabicPeriod"/>
-            </a:pPr>
-            <a:r>
-              <a:rPr lang="sk-SK" sz="2400" dirty="0" err="1">
-                <a:highlight>
-                  <a:srgbClr val="FFFF00"/>
-                </a:highlight>
-                <a:latin typeface="Consolas" panose="020B0609020204030204" pitchFamily="49" charset="0"/>
-              </a:rPr>
-              <a:t>public</a:t>
-            </a:r>
-            <a:r>
-              <a:rPr lang="sk-SK" sz="2400" dirty="0">
-                <a:highlight>
-                  <a:srgbClr val="FFFF00"/>
-                </a:highlight>
-                <a:latin typeface="Consolas" panose="020B0609020204030204" pitchFamily="49" charset="0"/>
-              </a:rPr>
-              <a:t> </a:t>
-            </a:r>
-            <a:r>
-              <a:rPr lang="sk-SK" sz="2400" dirty="0" err="1">
-                <a:highlight>
-                  <a:srgbClr val="FFFF00"/>
-                </a:highlight>
-                <a:latin typeface="Consolas" panose="020B0609020204030204" pitchFamily="49" charset="0"/>
-              </a:rPr>
-              <a:t>String</a:t>
-            </a:r>
-            <a:r>
-              <a:rPr lang="sk-SK" sz="2400" dirty="0">
-                <a:highlight>
-                  <a:srgbClr val="FFFF00"/>
-                </a:highlight>
-                <a:latin typeface="Consolas" panose="020B0609020204030204" pitchFamily="49" charset="0"/>
-              </a:rPr>
-              <a:t> </a:t>
-            </a:r>
-            <a:r>
-              <a:rPr lang="sk-SK" sz="2400" dirty="0" err="1">
-                <a:highlight>
-                  <a:srgbClr val="FFFF00"/>
-                </a:highlight>
-                <a:latin typeface="Consolas" panose="020B0609020204030204" pitchFamily="49" charset="0"/>
-              </a:rPr>
-              <a:t>getSlovo</a:t>
-            </a:r>
-            <a:r>
-              <a:rPr lang="sk-SK" sz="2400" dirty="0">
-                <a:highlight>
-                  <a:srgbClr val="FFFF00"/>
-                </a:highlight>
-                <a:latin typeface="Consolas" panose="020B0609020204030204" pitchFamily="49" charset="0"/>
-              </a:rPr>
-              <a:t>()</a:t>
-            </a:r>
-            <a:r>
-              <a:rPr lang="sk-SK" sz="2400" dirty="0"/>
-              <a:t> - vráti slovo, ktoré sme zatiaľ uhádli. Kód tejto metódy musí vytvoriť reťazec </a:t>
-            </a:r>
-            <a:r>
-              <a:rPr lang="sk-SK" sz="2400" dirty="0" err="1">
-                <a:highlight>
-                  <a:srgbClr val="FFFF00"/>
-                </a:highlight>
-                <a:latin typeface="Consolas" panose="020B0609020204030204" pitchFamily="49" charset="0"/>
-              </a:rPr>
-              <a:t>String</a:t>
-            </a:r>
-            <a:r>
-              <a:rPr lang="sk-SK" sz="2400" dirty="0"/>
-              <a:t> z poľa znakov </a:t>
-            </a:r>
-            <a:r>
-              <a:rPr lang="sk-SK" sz="2400" dirty="0" err="1">
-                <a:highlight>
-                  <a:srgbClr val="FFFF00"/>
-                </a:highlight>
-                <a:latin typeface="Consolas" panose="020B0609020204030204" pitchFamily="49" charset="0"/>
-              </a:rPr>
-              <a:t>uhadnuteZnaky</a:t>
-            </a:r>
-            <a:r>
-              <a:rPr lang="sk-SK" sz="2400" dirty="0"/>
-              <a:t>. Môžete na to použiť statickú metódu </a:t>
-            </a:r>
-            <a:r>
-              <a:rPr lang="sk-SK" sz="2400" dirty="0" err="1">
-                <a:highlight>
-                  <a:srgbClr val="FFFF00"/>
-                </a:highlight>
-                <a:latin typeface="Consolas" panose="020B0609020204030204" pitchFamily="49" charset="0"/>
-              </a:rPr>
-              <a:t>String.valueOf</a:t>
-            </a:r>
-            <a:r>
-              <a:rPr lang="sk-SK" sz="2400" dirty="0">
-                <a:highlight>
-                  <a:srgbClr val="FFFF00"/>
-                </a:highlight>
-                <a:latin typeface="Consolas" panose="020B0609020204030204" pitchFamily="49" charset="0"/>
-              </a:rPr>
-              <a:t>()</a:t>
+              <a:t>&gt; kcal)</a:t>
             </a:r>
           </a:p>
         </p:txBody>
@@ -6732,13 +5388,332 @@
               <a:t>Úloha 7.3: </a:t>
             </a:r>
             <a:r>
+              <a:rPr lang="en-US" dirty="0" err="1"/>
+              <a:t>toString</a:t>
+            </a:r>
+            <a:endParaRPr lang="sk-SK" dirty="0"/>
+          </a:p>
+        </p:txBody>
+      </p:sp>
+      <p:sp>
+        <p:nvSpPr>
+          <p:cNvPr id="2" name="Nadpis 4">
+            <a:extLst>
+              <a:ext uri="{FF2B5EF4-FFF2-40B4-BE49-F238E27FC236}">
+                <a16:creationId xmlns:a16="http://schemas.microsoft.com/office/drawing/2014/main" id="{AE2379C5-B9FF-D803-C5F5-9D4E05D98CDA}"/>
+              </a:ext>
+            </a:extLst>
+          </p:cNvPr>
+          <p:cNvSpPr txBox="1">
+            <a:spLocks/>
+          </p:cNvSpPr>
+          <p:nvPr/>
+        </p:nvSpPr>
+        <p:spPr>
+          <a:xfrm>
+            <a:off x="838200" y="3314180"/>
+            <a:ext cx="10515600" cy="1325563"/>
+          </a:xfrm>
+          <a:prstGeom prst="rect">
+            <a:avLst/>
+          </a:prstGeom>
+        </p:spPr>
+        <p:txBody>
+          <a:bodyPr vert="horz" lIns="91440" tIns="45720" rIns="91440" bIns="45720" rtlCol="0" anchor="ctr">
+            <a:normAutofit/>
+          </a:bodyPr>
+          <a:lstStyle>
+            <a:lvl1pPr algn="l" defTabSz="914400" rtl="0" eaLnBrk="1" latinLnBrk="0" hangingPunct="1">
+              <a:lnSpc>
+                <a:spcPct val="90000"/>
+              </a:lnSpc>
+              <a:spcBef>
+                <a:spcPct val="0"/>
+              </a:spcBef>
+              <a:buNone/>
+              <a:defRPr sz="4400" kern="1200">
+                <a:solidFill>
+                  <a:schemeClr val="tx1"/>
+                </a:solidFill>
+                <a:latin typeface="+mj-lt"/>
+                <a:ea typeface="+mj-ea"/>
+                <a:cs typeface="+mj-cs"/>
+              </a:defRPr>
+            </a:lvl1pPr>
+          </a:lstStyle>
+          <a:p>
+            <a:r>
+              <a:rPr lang="sk-SK" dirty="0"/>
+              <a:t>Úloha 7.4: </a:t>
+            </a:r>
+            <a:r>
               <a:rPr lang="sk-SK" dirty="0" err="1"/>
-              <a:t>Getter</a:t>
-            </a:r>
+              <a:t>Jedalnicek</a:t>
+            </a:r>
+            <a:endParaRPr lang="sk-SK" dirty="0"/>
+          </a:p>
+        </p:txBody>
+      </p:sp>
+      <p:sp>
+        <p:nvSpPr>
+          <p:cNvPr id="4" name="Zástupný objekt pre obsah 2">
+            <a:extLst>
+              <a:ext uri="{FF2B5EF4-FFF2-40B4-BE49-F238E27FC236}">
+                <a16:creationId xmlns:a16="http://schemas.microsoft.com/office/drawing/2014/main" id="{91385F77-93F2-3160-15F4-F7410097FC72}"/>
+              </a:ext>
+            </a:extLst>
+          </p:cNvPr>
+          <p:cNvSpPr txBox="1">
+            <a:spLocks/>
+          </p:cNvSpPr>
+          <p:nvPr/>
+        </p:nvSpPr>
+        <p:spPr>
+          <a:xfrm>
+            <a:off x="1099022" y="4406689"/>
+            <a:ext cx="10651018" cy="2086186"/>
+          </a:xfrm>
+          <a:prstGeom prst="rect">
+            <a:avLst/>
+          </a:prstGeom>
+        </p:spPr>
+        <p:txBody>
+          <a:bodyPr vert="horz" lIns="91440" tIns="45720" rIns="91440" bIns="45720" rtlCol="0">
+            <a:noAutofit/>
+          </a:bodyPr>
+          <a:lstStyle>
+            <a:lvl1pPr marL="228600" indent="-228600" algn="l" defTabSz="914400" rtl="0" eaLnBrk="1" latinLnBrk="0" hangingPunct="1">
+              <a:lnSpc>
+                <a:spcPct val="90000"/>
+              </a:lnSpc>
+              <a:spcBef>
+                <a:spcPts val="1000"/>
+              </a:spcBef>
+              <a:buFont typeface="Arial" panose="020B0604020202020204" pitchFamily="34" charset="0"/>
+              <a:buChar char="•"/>
+              <a:defRPr sz="2800" kern="1200">
+                <a:solidFill>
+                  <a:schemeClr val="tx1"/>
+                </a:solidFill>
+                <a:latin typeface="+mn-lt"/>
+                <a:ea typeface="+mn-ea"/>
+                <a:cs typeface="+mn-cs"/>
+              </a:defRPr>
+            </a:lvl1pPr>
+            <a:lvl2pPr marL="685800" indent="-228600" algn="l" defTabSz="914400" rtl="0" eaLnBrk="1" latinLnBrk="0" hangingPunct="1">
+              <a:lnSpc>
+                <a:spcPct val="90000"/>
+              </a:lnSpc>
+              <a:spcBef>
+                <a:spcPts val="500"/>
+              </a:spcBef>
+              <a:buFont typeface="Arial" panose="020B0604020202020204" pitchFamily="34" charset="0"/>
+              <a:buChar char="•"/>
+              <a:defRPr sz="2400" kern="1200">
+                <a:solidFill>
+                  <a:schemeClr val="tx1"/>
+                </a:solidFill>
+                <a:latin typeface="+mn-lt"/>
+                <a:ea typeface="+mn-ea"/>
+                <a:cs typeface="+mn-cs"/>
+              </a:defRPr>
+            </a:lvl2pPr>
+            <a:lvl3pPr marL="1143000" indent="-228600" algn="l" defTabSz="914400" rtl="0" eaLnBrk="1" latinLnBrk="0" hangingPunct="1">
+              <a:lnSpc>
+                <a:spcPct val="90000"/>
+              </a:lnSpc>
+              <a:spcBef>
+                <a:spcPts val="500"/>
+              </a:spcBef>
+              <a:buFont typeface="Arial" panose="020B0604020202020204" pitchFamily="34" charset="0"/>
+              <a:buChar char="•"/>
+              <a:defRPr sz="2000" kern="1200">
+                <a:solidFill>
+                  <a:schemeClr val="tx1"/>
+                </a:solidFill>
+                <a:latin typeface="+mn-lt"/>
+                <a:ea typeface="+mn-ea"/>
+                <a:cs typeface="+mn-cs"/>
+              </a:defRPr>
+            </a:lvl3pPr>
+            <a:lvl4pPr marL="1600200" indent="-228600" algn="l" defTabSz="914400" rtl="0" eaLnBrk="1" latinLnBrk="0" hangingPunct="1">
+              <a:lnSpc>
+                <a:spcPct val="90000"/>
+              </a:lnSpc>
+              <a:spcBef>
+                <a:spcPts val="500"/>
+              </a:spcBef>
+              <a:buFont typeface="Arial" panose="020B0604020202020204" pitchFamily="34" charset="0"/>
+              <a:buChar char="•"/>
+              <a:defRPr sz="1800" kern="1200">
+                <a:solidFill>
+                  <a:schemeClr val="tx1"/>
+                </a:solidFill>
+                <a:latin typeface="+mn-lt"/>
+                <a:ea typeface="+mn-ea"/>
+                <a:cs typeface="+mn-cs"/>
+              </a:defRPr>
+            </a:lvl4pPr>
+            <a:lvl5pPr marL="2057400" indent="-228600" algn="l" defTabSz="914400" rtl="0" eaLnBrk="1" latinLnBrk="0" hangingPunct="1">
+              <a:lnSpc>
+                <a:spcPct val="90000"/>
+              </a:lnSpc>
+              <a:spcBef>
+                <a:spcPts val="500"/>
+              </a:spcBef>
+              <a:buFont typeface="Arial" panose="020B0604020202020204" pitchFamily="34" charset="0"/>
+              <a:buChar char="•"/>
+              <a:defRPr sz="1800" kern="1200">
+                <a:solidFill>
+                  <a:schemeClr val="tx1"/>
+                </a:solidFill>
+                <a:latin typeface="+mn-lt"/>
+                <a:ea typeface="+mn-ea"/>
+                <a:cs typeface="+mn-cs"/>
+              </a:defRPr>
+            </a:lvl5pPr>
+            <a:lvl6pPr marL="2514600" indent="-228600" algn="l" defTabSz="914400" rtl="0" eaLnBrk="1" latinLnBrk="0" hangingPunct="1">
+              <a:lnSpc>
+                <a:spcPct val="90000"/>
+              </a:lnSpc>
+              <a:spcBef>
+                <a:spcPts val="500"/>
+              </a:spcBef>
+              <a:buFont typeface="Arial" panose="020B0604020202020204" pitchFamily="34" charset="0"/>
+              <a:buChar char="•"/>
+              <a:defRPr sz="1800" kern="1200">
+                <a:solidFill>
+                  <a:schemeClr val="tx1"/>
+                </a:solidFill>
+                <a:latin typeface="+mn-lt"/>
+                <a:ea typeface="+mn-ea"/>
+                <a:cs typeface="+mn-cs"/>
+              </a:defRPr>
+            </a:lvl6pPr>
+            <a:lvl7pPr marL="2971800" indent="-228600" algn="l" defTabSz="914400" rtl="0" eaLnBrk="1" latinLnBrk="0" hangingPunct="1">
+              <a:lnSpc>
+                <a:spcPct val="90000"/>
+              </a:lnSpc>
+              <a:spcBef>
+                <a:spcPts val="500"/>
+              </a:spcBef>
+              <a:buFont typeface="Arial" panose="020B0604020202020204" pitchFamily="34" charset="0"/>
+              <a:buChar char="•"/>
+              <a:defRPr sz="1800" kern="1200">
+                <a:solidFill>
+                  <a:schemeClr val="tx1"/>
+                </a:solidFill>
+                <a:latin typeface="+mn-lt"/>
+                <a:ea typeface="+mn-ea"/>
+                <a:cs typeface="+mn-cs"/>
+              </a:defRPr>
+            </a:lvl7pPr>
+            <a:lvl8pPr marL="3429000" indent="-228600" algn="l" defTabSz="914400" rtl="0" eaLnBrk="1" latinLnBrk="0" hangingPunct="1">
+              <a:lnSpc>
+                <a:spcPct val="90000"/>
+              </a:lnSpc>
+              <a:spcBef>
+                <a:spcPts val="500"/>
+              </a:spcBef>
+              <a:buFont typeface="Arial" panose="020B0604020202020204" pitchFamily="34" charset="0"/>
+              <a:buChar char="•"/>
+              <a:defRPr sz="1800" kern="1200">
+                <a:solidFill>
+                  <a:schemeClr val="tx1"/>
+                </a:solidFill>
+                <a:latin typeface="+mn-lt"/>
+                <a:ea typeface="+mn-ea"/>
+                <a:cs typeface="+mn-cs"/>
+              </a:defRPr>
+            </a:lvl8pPr>
+            <a:lvl9pPr marL="3886200" indent="-228600" algn="l" defTabSz="914400" rtl="0" eaLnBrk="1" latinLnBrk="0" hangingPunct="1">
+              <a:lnSpc>
+                <a:spcPct val="90000"/>
+              </a:lnSpc>
+              <a:spcBef>
+                <a:spcPts val="500"/>
+              </a:spcBef>
+              <a:buFont typeface="Arial" panose="020B0604020202020204" pitchFamily="34" charset="0"/>
+              <a:buChar char="•"/>
+              <a:defRPr sz="1800" kern="1200">
+                <a:solidFill>
+                  <a:schemeClr val="tx1"/>
+                </a:solidFill>
+                <a:latin typeface="+mn-lt"/>
+                <a:ea typeface="+mn-ea"/>
+                <a:cs typeface="+mn-cs"/>
+              </a:defRPr>
+            </a:lvl9pPr>
+          </a:lstStyle>
+          <a:p>
+            <a:pPr marL="0" indent="0">
+              <a:lnSpc>
+                <a:spcPct val="100000"/>
+              </a:lnSpc>
+              <a:buNone/>
+            </a:pPr>
             <a:r>
               <a:rPr lang="sk-SK" dirty="0"/>
-              <a:t> metódy</a:t>
-            </a:r>
+              <a:t>Vytvorte triedu </a:t>
+            </a:r>
+            <a:r>
+              <a:rPr lang="sk-SK" dirty="0" err="1">
+                <a:highlight>
+                  <a:srgbClr val="FFFF00"/>
+                </a:highlight>
+                <a:latin typeface="Consolas" panose="020B0609020204030204" pitchFamily="49" charset="0"/>
+              </a:rPr>
+              <a:t>sk.spse.strava.Jedalnicek</a:t>
+            </a:r>
+            <a:r>
+              <a:rPr lang="sk-SK" dirty="0"/>
+              <a:t>, ktorá bude obsahovať atribúty </a:t>
+            </a:r>
+            <a:r>
+              <a:rPr lang="sk-SK" dirty="0" err="1">
+                <a:highlight>
+                  <a:srgbClr val="FFFF00"/>
+                </a:highlight>
+                <a:latin typeface="Consolas" panose="020B0609020204030204" pitchFamily="49" charset="0"/>
+              </a:rPr>
+              <a:t>ranajky</a:t>
+            </a:r>
+            <a:r>
+              <a:rPr lang="sk-SK" dirty="0"/>
+              <a:t>, </a:t>
+            </a:r>
+            <a:r>
+              <a:rPr lang="sk-SK" dirty="0">
+                <a:highlight>
+                  <a:srgbClr val="FFFF00"/>
+                </a:highlight>
+                <a:latin typeface="Consolas" panose="020B0609020204030204" pitchFamily="49" charset="0"/>
+              </a:rPr>
+              <a:t>obed</a:t>
+            </a:r>
+            <a:r>
+              <a:rPr lang="sk-SK" dirty="0"/>
+              <a:t> a </a:t>
+            </a:r>
+            <a:r>
+              <a:rPr lang="sk-SK" dirty="0" err="1">
+                <a:highlight>
+                  <a:srgbClr val="FFFF00"/>
+                </a:highlight>
+                <a:latin typeface="Consolas" panose="020B0609020204030204" pitchFamily="49" charset="0"/>
+              </a:rPr>
+              <a:t>vecera</a:t>
+            </a:r>
+            <a:r>
+              <a:rPr lang="sk-SK" dirty="0"/>
+              <a:t>, všetko polia Potravín, a konštruktor, ktorý nastaví atribúty.</a:t>
+            </a:r>
+            <a:endParaRPr lang="sk-SK" dirty="0">
+              <a:highlight>
+                <a:srgbClr val="FFFF00"/>
+              </a:highlight>
+              <a:latin typeface="Consolas" panose="020B0609020204030204" pitchFamily="49" charset="0"/>
+            </a:endParaRPr>
           </a:p>
         </p:txBody>
       </p:sp>
@@ -6756,6 +5731,574 @@
 </file>
 
 <file path=ppt/slides/slide7.xml><?xml version="1.0" encoding="utf-8"?>
+<p:sld xmlns:a="http://schemas.openxmlformats.org/drawingml/2006/main" xmlns:r="http://schemas.openxmlformats.org/officeDocument/2006/relationships" xmlns:p="http://schemas.openxmlformats.org/presentationml/2006/main">
+  <p:cSld>
+    <p:bg>
+      <p:bgPr>
+        <a:solidFill>
+          <a:schemeClr val="bg1"/>
+        </a:solidFill>
+        <a:effectLst/>
+      </p:bgPr>
+    </p:bg>
+    <p:spTree>
+      <p:nvGrpSpPr>
+        <p:cNvPr id="1" name="">
+          <a:extLst>
+            <a:ext uri="{FF2B5EF4-FFF2-40B4-BE49-F238E27FC236}">
+              <a16:creationId xmlns:a16="http://schemas.microsoft.com/office/drawing/2014/main" id="{F05EC75D-F76E-3FB1-B7B2-CFDA35A6DB25}"/>
+            </a:ext>
+          </a:extLst>
+        </p:cNvPr>
+        <p:cNvGrpSpPr/>
+        <p:nvPr/>
+      </p:nvGrpSpPr>
+      <p:grpSpPr>
+        <a:xfrm>
+          <a:off x="0" y="0"/>
+          <a:ext cx="0" cy="0"/>
+          <a:chOff x="0" y="0"/>
+          <a:chExt cx="0" cy="0"/>
+        </a:xfrm>
+      </p:grpSpPr>
+      <p:sp>
+        <p:nvSpPr>
+          <p:cNvPr id="3" name="Zástupný objekt pre obsah 2">
+            <a:extLst>
+              <a:ext uri="{FF2B5EF4-FFF2-40B4-BE49-F238E27FC236}">
+                <a16:creationId xmlns:a16="http://schemas.microsoft.com/office/drawing/2014/main" id="{82408D35-EC03-ECC3-914D-ECBEFF50890D}"/>
+              </a:ext>
+            </a:extLst>
+          </p:cNvPr>
+          <p:cNvSpPr>
+            <a:spLocks noGrp="1"/>
+          </p:cNvSpPr>
+          <p:nvPr>
+            <p:ph idx="1"/>
+          </p:nvPr>
+        </p:nvSpPr>
+        <p:spPr>
+          <a:xfrm>
+            <a:off x="770491" y="1508757"/>
+            <a:ext cx="10651018" cy="2086186"/>
+          </a:xfrm>
+        </p:spPr>
+        <p:txBody>
+          <a:bodyPr>
+            <a:noAutofit/>
+          </a:bodyPr>
+          <a:lstStyle/>
+          <a:p>
+            <a:r>
+              <a:rPr lang="sk-SK" dirty="0"/>
+              <a:t>V triede </a:t>
+            </a:r>
+            <a:r>
+              <a:rPr lang="sk-SK" dirty="0" err="1">
+                <a:highlight>
+                  <a:srgbClr val="FFFF00"/>
+                </a:highlight>
+                <a:latin typeface="Consolas" panose="020B0609020204030204" pitchFamily="49" charset="0"/>
+              </a:rPr>
+              <a:t>Jedalnicek</a:t>
+            </a:r>
+            <a:r>
+              <a:rPr lang="sk-SK" dirty="0"/>
+              <a:t> vytvorte metódu </a:t>
+            </a:r>
+            <a:r>
+              <a:rPr lang="sk-SK" dirty="0" err="1">
+                <a:highlight>
+                  <a:srgbClr val="FFFF00"/>
+                </a:highlight>
+                <a:latin typeface="Consolas" panose="020B0609020204030204" pitchFamily="49" charset="0"/>
+              </a:rPr>
+              <a:t>toString</a:t>
+            </a:r>
+            <a:r>
+              <a:rPr lang="sk-SK" dirty="0">
+                <a:highlight>
+                  <a:srgbClr val="FFFF00"/>
+                </a:highlight>
+                <a:latin typeface="Consolas" panose="020B0609020204030204" pitchFamily="49" charset="0"/>
+              </a:rPr>
+              <a:t>()</a:t>
+            </a:r>
+            <a:r>
+              <a:rPr lang="sk-SK" dirty="0"/>
+              <a:t>.</a:t>
+            </a:r>
+          </a:p>
+          <a:p>
+            <a:r>
+              <a:rPr lang="sk-SK" dirty="0"/>
+              <a:t>Táto metóda nech vráti reťazec tvaru </a:t>
+            </a:r>
+            <a:br>
+              <a:rPr lang="sk-SK" dirty="0"/>
+            </a:br>
+            <a:r>
+              <a:rPr lang="sk-SK" dirty="0">
+                <a:highlight>
+                  <a:srgbClr val="FFFF00"/>
+                </a:highlight>
+                <a:latin typeface="Consolas" panose="020B0609020204030204" pitchFamily="49" charset="0"/>
+              </a:rPr>
+              <a:t>Raňajky: &lt;</a:t>
+            </a:r>
+            <a:r>
+              <a:rPr lang="sk-SK" dirty="0" err="1">
+                <a:highlight>
+                  <a:srgbClr val="FFFF00"/>
+                </a:highlight>
+                <a:latin typeface="Consolas" panose="020B0609020204030204" pitchFamily="49" charset="0"/>
+              </a:rPr>
+              <a:t>ranajky</a:t>
+            </a:r>
+            <a:r>
+              <a:rPr lang="sk-SK" dirty="0">
+                <a:highlight>
+                  <a:srgbClr val="FFFF00"/>
+                </a:highlight>
+                <a:latin typeface="Consolas" panose="020B0609020204030204" pitchFamily="49" charset="0"/>
+              </a:rPr>
+              <a:t>&gt;\</a:t>
+            </a:r>
+            <a:r>
+              <a:rPr lang="sk-SK" dirty="0" err="1">
+                <a:highlight>
+                  <a:srgbClr val="FFFF00"/>
+                </a:highlight>
+                <a:latin typeface="Consolas" panose="020B0609020204030204" pitchFamily="49" charset="0"/>
+              </a:rPr>
+              <a:t>nObed</a:t>
+            </a:r>
+            <a:r>
+              <a:rPr lang="sk-SK" dirty="0">
+                <a:highlight>
+                  <a:srgbClr val="FFFF00"/>
+                </a:highlight>
+                <a:latin typeface="Consolas" panose="020B0609020204030204" pitchFamily="49" charset="0"/>
+              </a:rPr>
+              <a:t>: &lt;obed&gt;\</a:t>
+            </a:r>
+            <a:r>
+              <a:rPr lang="sk-SK" dirty="0" err="1">
+                <a:highlight>
+                  <a:srgbClr val="FFFF00"/>
+                </a:highlight>
+                <a:latin typeface="Consolas" panose="020B0609020204030204" pitchFamily="49" charset="0"/>
+              </a:rPr>
+              <a:t>nVečera</a:t>
+            </a:r>
+            <a:r>
+              <a:rPr lang="sk-SK" dirty="0">
+                <a:highlight>
+                  <a:srgbClr val="FFFF00"/>
+                </a:highlight>
+                <a:latin typeface="Consolas" panose="020B0609020204030204" pitchFamily="49" charset="0"/>
+              </a:rPr>
+              <a:t>: &lt;večera&gt;</a:t>
+            </a:r>
+            <a:r>
+              <a:rPr lang="sk-SK" dirty="0"/>
+              <a:t>.</a:t>
+            </a:r>
+          </a:p>
+          <a:p>
+            <a:r>
+              <a:rPr lang="sk-SK" dirty="0"/>
+              <a:t>Pri vypisovaní jedál si pomôžte metódou </a:t>
+            </a:r>
+            <a:r>
+              <a:rPr lang="sk-SK" dirty="0" err="1">
+                <a:highlight>
+                  <a:srgbClr val="FFFF00"/>
+                </a:highlight>
+                <a:latin typeface="Consolas" panose="020B0609020204030204" pitchFamily="49" charset="0"/>
+              </a:rPr>
+              <a:t>Arrays.toString</a:t>
+            </a:r>
+            <a:r>
+              <a:rPr lang="sk-SK" dirty="0"/>
+              <a:t>.</a:t>
+            </a:r>
+          </a:p>
+        </p:txBody>
+      </p:sp>
+      <p:sp>
+        <p:nvSpPr>
+          <p:cNvPr id="5" name="Nadpis 4">
+            <a:extLst>
+              <a:ext uri="{FF2B5EF4-FFF2-40B4-BE49-F238E27FC236}">
+                <a16:creationId xmlns:a16="http://schemas.microsoft.com/office/drawing/2014/main" id="{8F686141-ED0E-DF8C-1A90-5CA00BD8B1C4}"/>
+              </a:ext>
+            </a:extLst>
+          </p:cNvPr>
+          <p:cNvSpPr>
+            <a:spLocks noGrp="1"/>
+          </p:cNvSpPr>
+          <p:nvPr>
+            <p:ph type="title"/>
+          </p:nvPr>
+        </p:nvSpPr>
+        <p:spPr/>
+        <p:txBody>
+          <a:bodyPr/>
+          <a:lstStyle/>
+          <a:p>
+            <a:r>
+              <a:rPr lang="sk-SK" dirty="0"/>
+              <a:t>Úloha 7.5: </a:t>
+            </a:r>
+            <a:r>
+              <a:rPr lang="en-US" dirty="0" err="1"/>
+              <a:t>toString</a:t>
+            </a:r>
+            <a:endParaRPr lang="sk-SK" dirty="0"/>
+          </a:p>
+        </p:txBody>
+      </p:sp>
+      <p:sp>
+        <p:nvSpPr>
+          <p:cNvPr id="2" name="Nadpis 4">
+            <a:extLst>
+              <a:ext uri="{FF2B5EF4-FFF2-40B4-BE49-F238E27FC236}">
+                <a16:creationId xmlns:a16="http://schemas.microsoft.com/office/drawing/2014/main" id="{11B6D697-F065-5351-DBED-5B3BEB1E9317}"/>
+              </a:ext>
+            </a:extLst>
+          </p:cNvPr>
+          <p:cNvSpPr txBox="1">
+            <a:spLocks/>
+          </p:cNvSpPr>
+          <p:nvPr/>
+        </p:nvSpPr>
+        <p:spPr>
+          <a:xfrm>
+            <a:off x="838200" y="3314180"/>
+            <a:ext cx="10515600" cy="1325563"/>
+          </a:xfrm>
+          <a:prstGeom prst="rect">
+            <a:avLst/>
+          </a:prstGeom>
+        </p:spPr>
+        <p:txBody>
+          <a:bodyPr vert="horz" lIns="91440" tIns="45720" rIns="91440" bIns="45720" rtlCol="0" anchor="ctr">
+            <a:normAutofit/>
+          </a:bodyPr>
+          <a:lstStyle>
+            <a:lvl1pPr algn="l" defTabSz="914400" rtl="0" eaLnBrk="1" latinLnBrk="0" hangingPunct="1">
+              <a:lnSpc>
+                <a:spcPct val="90000"/>
+              </a:lnSpc>
+              <a:spcBef>
+                <a:spcPct val="0"/>
+              </a:spcBef>
+              <a:buNone/>
+              <a:defRPr sz="4400" kern="1200">
+                <a:solidFill>
+                  <a:schemeClr val="tx1"/>
+                </a:solidFill>
+                <a:latin typeface="+mj-lt"/>
+                <a:ea typeface="+mj-ea"/>
+                <a:cs typeface="+mj-cs"/>
+              </a:defRPr>
+            </a:lvl1pPr>
+          </a:lstStyle>
+          <a:p>
+            <a:r>
+              <a:rPr lang="sk-SK" dirty="0"/>
+              <a:t>Úloha 7.6: </a:t>
+            </a:r>
+            <a:r>
+              <a:rPr lang="pl-PL" dirty="0"/>
+              <a:t>výpočet celkovej ceny a kalórii</a:t>
+            </a:r>
+            <a:endParaRPr lang="sk-SK" dirty="0"/>
+          </a:p>
+        </p:txBody>
+      </p:sp>
+      <p:sp>
+        <p:nvSpPr>
+          <p:cNvPr id="4" name="Zástupný objekt pre obsah 2">
+            <a:extLst>
+              <a:ext uri="{FF2B5EF4-FFF2-40B4-BE49-F238E27FC236}">
+                <a16:creationId xmlns:a16="http://schemas.microsoft.com/office/drawing/2014/main" id="{DF9D7552-D6EF-E0BB-7424-D9A46CA54E53}"/>
+              </a:ext>
+            </a:extLst>
+          </p:cNvPr>
+          <p:cNvSpPr txBox="1">
+            <a:spLocks/>
+          </p:cNvSpPr>
+          <p:nvPr/>
+        </p:nvSpPr>
+        <p:spPr>
+          <a:xfrm>
+            <a:off x="1099022" y="4406689"/>
+            <a:ext cx="10651018" cy="2086186"/>
+          </a:xfrm>
+          <a:prstGeom prst="rect">
+            <a:avLst/>
+          </a:prstGeom>
+        </p:spPr>
+        <p:txBody>
+          <a:bodyPr vert="horz" lIns="91440" tIns="45720" rIns="91440" bIns="45720" rtlCol="0">
+            <a:noAutofit/>
+          </a:bodyPr>
+          <a:lstStyle>
+            <a:lvl1pPr marL="228600" indent="-228600" algn="l" defTabSz="914400" rtl="0" eaLnBrk="1" latinLnBrk="0" hangingPunct="1">
+              <a:lnSpc>
+                <a:spcPct val="90000"/>
+              </a:lnSpc>
+              <a:spcBef>
+                <a:spcPts val="1000"/>
+              </a:spcBef>
+              <a:buFont typeface="Arial" panose="020B0604020202020204" pitchFamily="34" charset="0"/>
+              <a:buChar char="•"/>
+              <a:defRPr sz="2800" kern="1200">
+                <a:solidFill>
+                  <a:schemeClr val="tx1"/>
+                </a:solidFill>
+                <a:latin typeface="+mn-lt"/>
+                <a:ea typeface="+mn-ea"/>
+                <a:cs typeface="+mn-cs"/>
+              </a:defRPr>
+            </a:lvl1pPr>
+            <a:lvl2pPr marL="685800" indent="-228600" algn="l" defTabSz="914400" rtl="0" eaLnBrk="1" latinLnBrk="0" hangingPunct="1">
+              <a:lnSpc>
+                <a:spcPct val="90000"/>
+              </a:lnSpc>
+              <a:spcBef>
+                <a:spcPts val="500"/>
+              </a:spcBef>
+              <a:buFont typeface="Arial" panose="020B0604020202020204" pitchFamily="34" charset="0"/>
+              <a:buChar char="•"/>
+              <a:defRPr sz="2400" kern="1200">
+                <a:solidFill>
+                  <a:schemeClr val="tx1"/>
+                </a:solidFill>
+                <a:latin typeface="+mn-lt"/>
+                <a:ea typeface="+mn-ea"/>
+                <a:cs typeface="+mn-cs"/>
+              </a:defRPr>
+            </a:lvl2pPr>
+            <a:lvl3pPr marL="1143000" indent="-228600" algn="l" defTabSz="914400" rtl="0" eaLnBrk="1" latinLnBrk="0" hangingPunct="1">
+              <a:lnSpc>
+                <a:spcPct val="90000"/>
+              </a:lnSpc>
+              <a:spcBef>
+                <a:spcPts val="500"/>
+              </a:spcBef>
+              <a:buFont typeface="Arial" panose="020B0604020202020204" pitchFamily="34" charset="0"/>
+              <a:buChar char="•"/>
+              <a:defRPr sz="2000" kern="1200">
+                <a:solidFill>
+                  <a:schemeClr val="tx1"/>
+                </a:solidFill>
+                <a:latin typeface="+mn-lt"/>
+                <a:ea typeface="+mn-ea"/>
+                <a:cs typeface="+mn-cs"/>
+              </a:defRPr>
+            </a:lvl3pPr>
+            <a:lvl4pPr marL="1600200" indent="-228600" algn="l" defTabSz="914400" rtl="0" eaLnBrk="1" latinLnBrk="0" hangingPunct="1">
+              <a:lnSpc>
+                <a:spcPct val="90000"/>
+              </a:lnSpc>
+              <a:spcBef>
+                <a:spcPts val="500"/>
+              </a:spcBef>
+              <a:buFont typeface="Arial" panose="020B0604020202020204" pitchFamily="34" charset="0"/>
+              <a:buChar char="•"/>
+              <a:defRPr sz="1800" kern="1200">
+                <a:solidFill>
+                  <a:schemeClr val="tx1"/>
+                </a:solidFill>
+                <a:latin typeface="+mn-lt"/>
+                <a:ea typeface="+mn-ea"/>
+                <a:cs typeface="+mn-cs"/>
+              </a:defRPr>
+            </a:lvl4pPr>
+            <a:lvl5pPr marL="2057400" indent="-228600" algn="l" defTabSz="914400" rtl="0" eaLnBrk="1" latinLnBrk="0" hangingPunct="1">
+              <a:lnSpc>
+                <a:spcPct val="90000"/>
+              </a:lnSpc>
+              <a:spcBef>
+                <a:spcPts val="500"/>
+              </a:spcBef>
+              <a:buFont typeface="Arial" panose="020B0604020202020204" pitchFamily="34" charset="0"/>
+              <a:buChar char="•"/>
+              <a:defRPr sz="1800" kern="1200">
+                <a:solidFill>
+                  <a:schemeClr val="tx1"/>
+                </a:solidFill>
+                <a:latin typeface="+mn-lt"/>
+                <a:ea typeface="+mn-ea"/>
+                <a:cs typeface="+mn-cs"/>
+              </a:defRPr>
+            </a:lvl5pPr>
+            <a:lvl6pPr marL="2514600" indent="-228600" algn="l" defTabSz="914400" rtl="0" eaLnBrk="1" latinLnBrk="0" hangingPunct="1">
+              <a:lnSpc>
+                <a:spcPct val="90000"/>
+              </a:lnSpc>
+              <a:spcBef>
+                <a:spcPts val="500"/>
+              </a:spcBef>
+              <a:buFont typeface="Arial" panose="020B0604020202020204" pitchFamily="34" charset="0"/>
+              <a:buChar char="•"/>
+              <a:defRPr sz="1800" kern="1200">
+                <a:solidFill>
+                  <a:schemeClr val="tx1"/>
+                </a:solidFill>
+                <a:latin typeface="+mn-lt"/>
+                <a:ea typeface="+mn-ea"/>
+                <a:cs typeface="+mn-cs"/>
+              </a:defRPr>
+            </a:lvl6pPr>
+            <a:lvl7pPr marL="2971800" indent="-228600" algn="l" defTabSz="914400" rtl="0" eaLnBrk="1" latinLnBrk="0" hangingPunct="1">
+              <a:lnSpc>
+                <a:spcPct val="90000"/>
+              </a:lnSpc>
+              <a:spcBef>
+                <a:spcPts val="500"/>
+              </a:spcBef>
+              <a:buFont typeface="Arial" panose="020B0604020202020204" pitchFamily="34" charset="0"/>
+              <a:buChar char="•"/>
+              <a:defRPr sz="1800" kern="1200">
+                <a:solidFill>
+                  <a:schemeClr val="tx1"/>
+                </a:solidFill>
+                <a:latin typeface="+mn-lt"/>
+                <a:ea typeface="+mn-ea"/>
+                <a:cs typeface="+mn-cs"/>
+              </a:defRPr>
+            </a:lvl7pPr>
+            <a:lvl8pPr marL="3429000" indent="-228600" algn="l" defTabSz="914400" rtl="0" eaLnBrk="1" latinLnBrk="0" hangingPunct="1">
+              <a:lnSpc>
+                <a:spcPct val="90000"/>
+              </a:lnSpc>
+              <a:spcBef>
+                <a:spcPts val="500"/>
+              </a:spcBef>
+              <a:buFont typeface="Arial" panose="020B0604020202020204" pitchFamily="34" charset="0"/>
+              <a:buChar char="•"/>
+              <a:defRPr sz="1800" kern="1200">
+                <a:solidFill>
+                  <a:schemeClr val="tx1"/>
+                </a:solidFill>
+                <a:latin typeface="+mn-lt"/>
+                <a:ea typeface="+mn-ea"/>
+                <a:cs typeface="+mn-cs"/>
+              </a:defRPr>
+            </a:lvl8pPr>
+            <a:lvl9pPr marL="3886200" indent="-228600" algn="l" defTabSz="914400" rtl="0" eaLnBrk="1" latinLnBrk="0" hangingPunct="1">
+              <a:lnSpc>
+                <a:spcPct val="90000"/>
+              </a:lnSpc>
+              <a:spcBef>
+                <a:spcPts val="500"/>
+              </a:spcBef>
+              <a:buFont typeface="Arial" panose="020B0604020202020204" pitchFamily="34" charset="0"/>
+              <a:buChar char="•"/>
+              <a:defRPr sz="1800" kern="1200">
+                <a:solidFill>
+                  <a:schemeClr val="tx1"/>
+                </a:solidFill>
+                <a:latin typeface="+mn-lt"/>
+                <a:ea typeface="+mn-ea"/>
+                <a:cs typeface="+mn-cs"/>
+              </a:defRPr>
+            </a:lvl9pPr>
+          </a:lstStyle>
+          <a:p>
+            <a:pPr marL="0" indent="0">
+              <a:lnSpc>
+                <a:spcPct val="100000"/>
+              </a:lnSpc>
+              <a:buNone/>
+            </a:pPr>
+            <a:r>
+              <a:rPr lang="sk-SK" dirty="0"/>
+              <a:t>Do triedy </a:t>
+            </a:r>
+            <a:r>
+              <a:rPr lang="sk-SK" dirty="0" err="1">
+                <a:highlight>
+                  <a:srgbClr val="FFFF00"/>
+                </a:highlight>
+                <a:latin typeface="Consolas" panose="020B0609020204030204" pitchFamily="49" charset="0"/>
+              </a:rPr>
+              <a:t>sk.spse.Jedalnicek</a:t>
+            </a:r>
+            <a:r>
+              <a:rPr lang="sk-SK" dirty="0">
+                <a:highlight>
+                  <a:srgbClr val="FFFF00"/>
+                </a:highlight>
+                <a:latin typeface="Consolas" panose="020B0609020204030204" pitchFamily="49" charset="0"/>
+              </a:rPr>
+              <a:t> </a:t>
+            </a:r>
+            <a:r>
+              <a:rPr lang="sk-SK" dirty="0"/>
+              <a:t>vytvorte nasledovné metódy:</a:t>
+            </a:r>
+          </a:p>
+          <a:p>
+            <a:pPr lvl="1">
+              <a:lnSpc>
+                <a:spcPct val="100000"/>
+              </a:lnSpc>
+            </a:pPr>
+            <a:r>
+              <a:rPr lang="sk-SK" sz="2800" dirty="0">
+                <a:highlight>
+                  <a:srgbClr val="FFFF00"/>
+                </a:highlight>
+                <a:latin typeface="Consolas" panose="020B0609020204030204" pitchFamily="49" charset="0"/>
+              </a:rPr>
+              <a:t>cena</a:t>
+            </a:r>
+            <a:r>
+              <a:rPr lang="sk-SK" sz="2800" dirty="0"/>
+              <a:t>, ktorá vráti celkovú cenu jedál v jedálničku</a:t>
+            </a:r>
+          </a:p>
+          <a:p>
+            <a:pPr lvl="1">
+              <a:lnSpc>
+                <a:spcPct val="100000"/>
+              </a:lnSpc>
+            </a:pPr>
+            <a:r>
+              <a:rPr lang="sk-SK" sz="2800" dirty="0" err="1">
+                <a:highlight>
+                  <a:srgbClr val="FFFF00"/>
+                </a:highlight>
+                <a:latin typeface="Consolas" panose="020B0609020204030204" pitchFamily="49" charset="0"/>
+              </a:rPr>
+              <a:t>kaloria</a:t>
+            </a:r>
+            <a:r>
+              <a:rPr lang="sk-SK" sz="2800" dirty="0"/>
+              <a:t>, ktorá vráti celkové kalórie jedál</a:t>
+            </a:r>
+          </a:p>
+        </p:txBody>
+      </p:sp>
+    </p:spTree>
+    <p:extLst>
+      <p:ext uri="{BB962C8B-B14F-4D97-AF65-F5344CB8AC3E}">
+        <p14:creationId xmlns:p14="http://schemas.microsoft.com/office/powerpoint/2010/main" val="2516953575"/>
+      </p:ext>
+    </p:extLst>
+  </p:cSld>
+  <p:clrMapOvr>
+    <a:masterClrMapping/>
+  </p:clrMapOvr>
+</p:sld>
+</file>
+
+<file path=ppt/slides/slide8.xml><?xml version="1.0" encoding="utf-8"?>
 <p:sld xmlns:a="http://schemas.openxmlformats.org/drawingml/2006/main" xmlns:r="http://schemas.openxmlformats.org/officeDocument/2006/relationships" xmlns:p="http://schemas.openxmlformats.org/presentationml/2006/main">
   <p:cSld>
     <p:bg>
@@ -6818,345 +6361,218 @@
               <a:buNone/>
             </a:pPr>
             <a:r>
-              <a:rPr lang="sk-SK" sz="2400" dirty="0"/>
-              <a:t>V triede </a:t>
-            </a:r>
-            <a:r>
-              <a:rPr lang="sk-SK" sz="2400" dirty="0">
+              <a:rPr lang="sk-SK" dirty="0"/>
+              <a:t>Vytvorte triedu </a:t>
+            </a:r>
+            <a:r>
+              <a:rPr lang="sk-SK" dirty="0" err="1">
                 <a:highlight>
                   <a:srgbClr val="FFFF00"/>
                 </a:highlight>
                 <a:latin typeface="Consolas" panose="020B0609020204030204" pitchFamily="49" charset="0"/>
               </a:rPr>
-              <a:t>Stav</a:t>
-            </a:r>
-            <a:r>
-              <a:rPr lang="sk-SK" sz="2400" dirty="0"/>
-              <a:t> vytvorte inštančnú metódu </a:t>
-            </a:r>
-            <a:r>
-              <a:rPr lang="sk-SK" sz="2400" dirty="0" err="1">
+              <a:t>sk.spse.strava.Main</a:t>
+            </a:r>
+            <a:r>
+              <a:rPr lang="sk-SK" dirty="0"/>
+              <a:t> a  v nej metódu </a:t>
+            </a:r>
+            <a:r>
+              <a:rPr lang="sk-SK" dirty="0" err="1">
                 <a:highlight>
                   <a:srgbClr val="FFFF00"/>
                 </a:highlight>
                 <a:latin typeface="Consolas" panose="020B0609020204030204" pitchFamily="49" charset="0"/>
               </a:rPr>
-              <a:t>public</a:t>
-            </a:r>
-            <a:r>
-              <a:rPr lang="sk-SK" sz="2400" dirty="0">
+              <a:t>main</a:t>
+            </a:r>
+            <a:r>
+              <a:rPr lang="sk-SK" dirty="0"/>
+              <a:t>, ktorá vytvorí a vypíše jednoduchý jedálniček</a:t>
+            </a:r>
+          </a:p>
+          <a:p>
+            <a:pPr marL="0" indent="0">
+              <a:buNone/>
+            </a:pPr>
+            <a:r>
+              <a:rPr lang="pl-PL" dirty="0"/>
+              <a:t>Mali by ste dostať nasledovný výstup:</a:t>
+            </a:r>
+          </a:p>
+          <a:p>
+            <a:pPr marL="0" indent="0">
+              <a:buNone/>
+            </a:pPr>
+            <a:r>
+              <a:rPr lang="sk-SK" dirty="0">
                 <a:highlight>
                   <a:srgbClr val="FFFF00"/>
                 </a:highlight>
                 <a:latin typeface="Consolas" panose="020B0609020204030204" pitchFamily="49" charset="0"/>
               </a:rPr>
-              <a:t> boolean </a:t>
-            </a:r>
-            <a:r>
-              <a:rPr lang="sk-SK" sz="2400" dirty="0" err="1">
+              <a:t>Môj dnešný jedálniček: </a:t>
+            </a:r>
+          </a:p>
+          <a:p>
+            <a:pPr marL="0" indent="0">
+              <a:buNone/>
+            </a:pPr>
+            <a:r>
+              <a:rPr lang="sk-SK" dirty="0">
                 <a:highlight>
                   <a:srgbClr val="FFFF00"/>
                 </a:highlight>
                 <a:latin typeface="Consolas" panose="020B0609020204030204" pitchFamily="49" charset="0"/>
               </a:rPr>
-              <a:t>hadaj</a:t>
-            </a:r>
-            <a:r>
-              <a:rPr lang="sk-SK" sz="2400" dirty="0">
+              <a:t>Raňajky: [Rožok (...), Rožok (...), Treska </a:t>
+            </a:r>
+            <a:r>
+              <a:rPr lang="sk-SK" dirty="0" err="1">
                 <a:highlight>
                   <a:srgbClr val="FFFF00"/>
                 </a:highlight>
                 <a:latin typeface="Consolas" panose="020B0609020204030204" pitchFamily="49" charset="0"/>
               </a:rPr>
-              <a:t>(</a:t>
-            </a:r>
-            <a:r>
-              <a:rPr lang="sk-SK" sz="2400" dirty="0" err="1">
+              <a:t>Exclusiv</a:t>
+            </a:r>
+            <a:r>
+              <a:rPr lang="sk-SK" dirty="0">
                 <a:highlight>
                   <a:srgbClr val="FFFF00"/>
                 </a:highlight>
                 <a:latin typeface="Consolas" panose="020B0609020204030204" pitchFamily="49" charset="0"/>
               </a:rPr>
-              <a:t>char</a:t>
-            </a:r>
-            <a:r>
-              <a:rPr lang="sk-SK" sz="2400" dirty="0">
+              <a:t> (...)] </a:t>
+            </a:r>
+          </a:p>
+          <a:p>
+            <a:pPr marL="0" indent="0">
+              <a:buNone/>
+            </a:pPr>
+            <a:r>
+              <a:rPr lang="sk-SK" dirty="0">
                 <a:highlight>
                   <a:srgbClr val="FFFF00"/>
                 </a:highlight>
                 <a:latin typeface="Consolas" panose="020B0609020204030204" pitchFamily="49" charset="0"/>
               </a:rPr>
-              <a:t> tip)</a:t>
-            </a:r>
-            <a:r>
-              <a:rPr lang="sk-SK" sz="2400" dirty="0"/>
-              <a:t>, ktorá bude meniť stav hry podľa zadaného znaku </a:t>
-            </a:r>
-            <a:r>
-              <a:rPr lang="sk-SK" sz="2400" dirty="0">
+              <a:t>Obed: [</a:t>
+            </a:r>
+            <a:r>
+              <a:rPr lang="sk-SK" dirty="0" err="1">
                 <a:highlight>
                   <a:srgbClr val="FFFF00"/>
                 </a:highlight>
                 <a:latin typeface="Consolas" panose="020B0609020204030204" pitchFamily="49" charset="0"/>
               </a:rPr>
-              <a:t>tip</a:t>
-            </a:r>
-            <a:r>
-              <a:rPr lang="sk-SK" sz="2400" dirty="0"/>
-              <a:t>. V tele metódy napíšte kód, ktorý urobí nasledovné:</a:t>
-            </a:r>
-          </a:p>
-          <a:p>
-            <a:pPr marL="457200" indent="-457200">
-              <a:buFont typeface="+mj-lt"/>
-              <a:buAutoNum type="arabicPeriod"/>
-            </a:pPr>
-            <a:r>
-              <a:rPr lang="sk-SK" sz="2400" dirty="0"/>
-              <a:t>Vytvorí pomocnú </a:t>
-            </a:r>
-            <a:r>
-              <a:rPr lang="sk-SK" sz="2400" dirty="0">
+              <a:t>Pepsi</a:t>
+            </a:r>
+            <a:r>
+              <a:rPr lang="sk-SK" dirty="0">
                 <a:highlight>
                   <a:srgbClr val="FFFF00"/>
                 </a:highlight>
                 <a:latin typeface="Consolas" panose="020B0609020204030204" pitchFamily="49" charset="0"/>
               </a:rPr>
-              <a:t>boolean</a:t>
-            </a:r>
-            <a:r>
-              <a:rPr lang="sk-SK" sz="2400" dirty="0"/>
-              <a:t> premennú </a:t>
-            </a:r>
-            <a:r>
-              <a:rPr lang="sk-SK" sz="2400" dirty="0" err="1">
+              <a:t> </a:t>
+            </a:r>
+            <a:r>
+              <a:rPr lang="sk-SK" dirty="0" err="1">
                 <a:highlight>
                   <a:srgbClr val="FFFF00"/>
                 </a:highlight>
                 <a:latin typeface="Consolas" panose="020B0609020204030204" pitchFamily="49" charset="0"/>
               </a:rPr>
-              <a:t>spravnyTip</a:t>
-            </a:r>
-            <a:r>
-              <a:rPr lang="sk-SK" sz="2400" dirty="0"/>
-              <a:t>, inicializuje ju na </a:t>
-            </a:r>
-            <a:r>
-              <a:rPr lang="sk-SK" sz="2400" dirty="0" err="1">
+              <a:t>Cola</a:t>
+            </a:r>
+            <a:r>
+              <a:rPr lang="sk-SK" dirty="0">
                 <a:highlight>
                   <a:srgbClr val="FFFF00"/>
                 </a:highlight>
                 <a:latin typeface="Consolas" panose="020B0609020204030204" pitchFamily="49" charset="0"/>
               </a:rPr>
-              <a:t>false</a:t>
-            </a:r>
-            <a:endParaRPr lang="sk-SK" sz="2400" dirty="0">
-              <a:highlight>
-                <a:srgbClr val="FFFF00"/>
-              </a:highlight>
-              <a:latin typeface="Consolas" panose="020B0609020204030204" pitchFamily="49" charset="0"/>
-            </a:endParaRPr>
-          </a:p>
-          <a:p>
-            <a:pPr marL="457200" indent="-457200">
-              <a:buFont typeface="+mj-lt"/>
-              <a:buAutoNum type="arabicPeriod"/>
-            </a:pPr>
-            <a:r>
-              <a:rPr lang="sk-SK" sz="2400" dirty="0"/>
-              <a:t>V cykle prejdite všetky znaky hádaného slova, a ak sa znak zhoduje so znakom tip, pridajte tento znak do poľa </a:t>
-            </a:r>
-            <a:r>
-              <a:rPr lang="sk-SK" sz="2400" dirty="0" err="1">
+              <a:t> (...), Pizza </a:t>
+            </a:r>
+            <a:r>
+              <a:rPr lang="sk-SK" dirty="0" err="1">
                 <a:highlight>
                   <a:srgbClr val="FFFF00"/>
                 </a:highlight>
                 <a:latin typeface="Consolas" panose="020B0609020204030204" pitchFamily="49" charset="0"/>
               </a:rPr>
-              <a:t>uhadnuteZnaky</a:t>
-            </a:r>
-            <a:r>
-              <a:rPr lang="sk-SK" sz="2400" dirty="0"/>
-              <a:t> na tú istú pozíciu, akú má v hľadanom slove. Ak sa znak zhoduje, nastavte premennú </a:t>
-            </a:r>
-            <a:r>
-              <a:rPr lang="sk-SK" sz="2400" dirty="0" err="1">
+              <a:t>Ristorante</a:t>
+            </a:r>
+            <a:r>
+              <a:rPr lang="sk-SK" dirty="0">
                 <a:highlight>
                   <a:srgbClr val="FFFF00"/>
                 </a:highlight>
                 <a:latin typeface="Consolas" panose="020B0609020204030204" pitchFamily="49" charset="0"/>
               </a:rPr>
-              <a:t>spravnyTip</a:t>
-            </a:r>
-            <a:r>
-              <a:rPr lang="sk-SK" sz="2400" dirty="0"/>
-              <a:t> na </a:t>
-            </a:r>
-            <a:r>
-              <a:rPr lang="sk-SK" sz="2400" dirty="0" err="1">
+              <a:t> (...)] </a:t>
+            </a:r>
+          </a:p>
+          <a:p>
+            <a:pPr marL="0" indent="0">
+              <a:buNone/>
+            </a:pPr>
+            <a:r>
+              <a:rPr lang="sk-SK" dirty="0">
                 <a:highlight>
                   <a:srgbClr val="FFFF00"/>
                 </a:highlight>
                 <a:latin typeface="Consolas" panose="020B0609020204030204" pitchFamily="49" charset="0"/>
               </a:rPr>
-              <a:t>true</a:t>
-            </a:r>
-            <a:r>
-              <a:rPr lang="sk-SK" sz="2400" dirty="0"/>
-              <a:t> Pri porovnaní znakov použite metódu </a:t>
-            </a:r>
-            <a:r>
-              <a:rPr lang="sk-SK" sz="2400" dirty="0" err="1">
+              <a:t>Večera: [Jablko (...), Banán (...), </a:t>
+            </a:r>
+            <a:r>
+              <a:rPr lang="sk-SK" dirty="0" err="1">
                 <a:highlight>
                   <a:srgbClr val="FFFF00"/>
                 </a:highlight>
                 <a:latin typeface="Consolas" panose="020B0609020204030204" pitchFamily="49" charset="0"/>
               </a:rPr>
-              <a:t>Character.toLowerCase</a:t>
-            </a:r>
-            <a:r>
-              <a:rPr lang="sk-SK" sz="2400" dirty="0">
+              <a:t>Vifon</a:t>
+            </a:r>
+            <a:r>
+              <a:rPr lang="sk-SK" dirty="0">
                 <a:highlight>
                   <a:srgbClr val="FFFF00"/>
                 </a:highlight>
                 <a:latin typeface="Consolas" panose="020B0609020204030204" pitchFamily="49" charset="0"/>
               </a:rPr>
-              <a:t>(</a:t>
-            </a:r>
-            <a:r>
-              <a:rPr lang="sk-SK" sz="2400" dirty="0" err="1">
+              <a:t> Kuracia (...)] </a:t>
+            </a:r>
+          </a:p>
+          <a:p>
+            <a:pPr marL="0" indent="0">
+              <a:buNone/>
+            </a:pPr>
+            <a:r>
+              <a:rPr lang="sk-SK" dirty="0">
                 <a:highlight>
                   <a:srgbClr val="FFFF00"/>
                 </a:highlight>
                 <a:latin typeface="Consolas" panose="020B0609020204030204" pitchFamily="49" charset="0"/>
               </a:rPr>
-              <a:t>char</a:t>
-            </a:r>
-            <a:r>
-              <a:rPr lang="sk-SK" sz="2400" dirty="0">
+              <a:t>Celková cena: 6.41eur </a:t>
+            </a:r>
+          </a:p>
+          <a:p>
+            <a:pPr marL="0" indent="0">
+              <a:buNone/>
+            </a:pPr>
+            <a:r>
+              <a:rPr lang="sk-SK" dirty="0">
                 <a:highlight>
                   <a:srgbClr val="FFFF00"/>
                 </a:highlight>
                 <a:latin typeface="Consolas" panose="020B0609020204030204" pitchFamily="49" charset="0"/>
               </a:rPr>
-              <a:t>)</a:t>
-            </a:r>
-            <a:r>
-              <a:rPr lang="sk-SK" sz="2400" dirty="0"/>
-              <a:t>, aby sme pri nebrali ohľad na veľkosť písmen.</a:t>
-            </a:r>
-          </a:p>
-          <a:p>
-            <a:pPr marL="457200" indent="-457200">
-              <a:buFont typeface="+mj-lt"/>
-              <a:buAutoNum type="arabicPeriod"/>
-            </a:pPr>
-            <a:r>
-              <a:rPr lang="sk-SK" sz="2400" dirty="0"/>
-              <a:t>Ak nenastal správny tip, </a:t>
-            </a:r>
-            <a:r>
-              <a:rPr lang="sk-SK" sz="2400" dirty="0" err="1"/>
-              <a:t>dekrementuje</a:t>
-            </a:r>
-            <a:r>
-              <a:rPr lang="sk-SK" sz="2400" dirty="0"/>
-              <a:t> atribút </a:t>
-            </a:r>
-            <a:r>
-              <a:rPr lang="sk-SK" sz="2400" dirty="0" err="1">
-                <a:highlight>
-                  <a:srgbClr val="FFFF00"/>
-                </a:highlight>
-                <a:latin typeface="Consolas" panose="020B0609020204030204" pitchFamily="49" charset="0"/>
-              </a:rPr>
-              <a:t>ostavaPokusov</a:t>
-            </a:r>
-            <a:endParaRPr lang="sk-SK" sz="2400" dirty="0">
-              <a:highlight>
-                <a:srgbClr val="FFFF00"/>
-              </a:highlight>
-              <a:latin typeface="Consolas" panose="020B0609020204030204" pitchFamily="49" charset="0"/>
-            </a:endParaRPr>
-          </a:p>
-          <a:p>
-            <a:pPr marL="457200" indent="-457200">
-              <a:buFont typeface="+mj-lt"/>
-              <a:buAutoNum type="arabicPeriod"/>
-            </a:pPr>
-            <a:r>
-              <a:rPr lang="sk-SK" sz="2400" dirty="0"/>
-              <a:t>Ak je sme uhádli celé slovo, atribút </a:t>
-            </a:r>
-            <a:r>
-              <a:rPr lang="sk-SK" sz="2400" dirty="0" err="1">
-                <a:highlight>
-                  <a:srgbClr val="FFFF00"/>
-                </a:highlight>
-                <a:latin typeface="Consolas" panose="020B0609020204030204" pitchFamily="49" charset="0"/>
-              </a:rPr>
-              <a:t>vyhra</a:t>
-            </a:r>
-            <a:r>
-              <a:rPr lang="sk-SK" sz="2400" dirty="0"/>
-              <a:t> nastaví na </a:t>
-            </a:r>
-            <a:r>
-              <a:rPr lang="sk-SK" sz="2400" dirty="0" err="1">
-                <a:highlight>
-                  <a:srgbClr val="FFFF00"/>
-                </a:highlight>
-                <a:latin typeface="Consolas" panose="020B0609020204030204" pitchFamily="49" charset="0"/>
-              </a:rPr>
-              <a:t>true</a:t>
-            </a:r>
-            <a:r>
-              <a:rPr lang="sk-SK" sz="2400" dirty="0"/>
-              <a:t>. Uhádnutie zistite porovnaním hádaného slova zo slovom, ktoré vracia metóda </a:t>
-            </a:r>
-            <a:r>
-              <a:rPr lang="sk-SK" sz="2400" dirty="0" err="1">
-                <a:highlight>
-                  <a:srgbClr val="FFFF00"/>
-                </a:highlight>
-                <a:latin typeface="Consolas" panose="020B0609020204030204" pitchFamily="49" charset="0"/>
-              </a:rPr>
-              <a:t>getSlovo</a:t>
-            </a:r>
-            <a:r>
-              <a:rPr lang="sk-SK" sz="2400" dirty="0">
-                <a:highlight>
-                  <a:srgbClr val="FFFF00"/>
-                </a:highlight>
-                <a:latin typeface="Consolas" panose="020B0609020204030204" pitchFamily="49" charset="0"/>
-              </a:rPr>
-              <a:t>()</a:t>
-            </a:r>
-          </a:p>
-          <a:p>
-            <a:pPr marL="457200" indent="-457200">
-              <a:buFont typeface="+mj-lt"/>
-              <a:buAutoNum type="arabicPeriod"/>
-            </a:pPr>
-            <a:r>
-              <a:rPr lang="sk-SK" sz="2400" dirty="0"/>
-              <a:t>Metóda vráti hodnotu premennej </a:t>
-            </a:r>
-            <a:r>
-              <a:rPr lang="sk-SK" sz="2400" dirty="0" err="1">
-                <a:highlight>
-                  <a:srgbClr val="FFFF00"/>
-                </a:highlight>
-                <a:latin typeface="Consolas" panose="020B0609020204030204" pitchFamily="49" charset="0"/>
-              </a:rPr>
-              <a:t>spravnyTip</a:t>
-            </a:r>
-            <a:endParaRPr lang="sk-SK" sz="2400" dirty="0">
-              <a:highlight>
-                <a:srgbClr val="FFFF00"/>
-              </a:highlight>
-              <a:latin typeface="Consolas" panose="020B0609020204030204" pitchFamily="49" charset="0"/>
-            </a:endParaRPr>
+              <a:t>Celkové kalórie: 1856kcal</a:t>
+            </a:r>
           </a:p>
         </p:txBody>
       </p:sp>
@@ -7185,8 +6601,13 @@
           <a:p>
             <a:r>
               <a:rPr lang="sk-SK" dirty="0"/>
-              <a:t>Úloha 7.4: Inštančná metóda</a:t>
-            </a:r>
+              <a:t>Úloha 7.7: metóda </a:t>
+            </a:r>
+            <a:r>
+              <a:rPr lang="sk-SK" dirty="0" err="1"/>
+              <a:t>main</a:t>
+            </a:r>
+            <a:endParaRPr lang="sk-SK" dirty="0"/>
           </a:p>
         </p:txBody>
       </p:sp>
@@ -7194,693 +6615,6 @@
     <p:extLst>
       <p:ext uri="{BB962C8B-B14F-4D97-AF65-F5344CB8AC3E}">
         <p14:creationId xmlns:p14="http://schemas.microsoft.com/office/powerpoint/2010/main" val="3965677176"/>
-      </p:ext>
-    </p:extLst>
-  </p:cSld>
-  <p:clrMapOvr>
-    <a:masterClrMapping/>
-  </p:clrMapOvr>
-</p:sld>
-</file>
-
-<file path=ppt/slides/slide8.xml><?xml version="1.0" encoding="utf-8"?>
-<p:sld xmlns:a="http://schemas.openxmlformats.org/drawingml/2006/main" xmlns:r="http://schemas.openxmlformats.org/officeDocument/2006/relationships" xmlns:p="http://schemas.openxmlformats.org/presentationml/2006/main">
-  <p:cSld>
-    <p:bg>
-      <p:bgPr>
-        <a:solidFill>
-          <a:schemeClr val="bg1"/>
-        </a:solidFill>
-        <a:effectLst/>
-      </p:bgPr>
-    </p:bg>
-    <p:spTree>
-      <p:nvGrpSpPr>
-        <p:cNvPr id="1" name="">
-          <a:extLst>
-            <a:ext uri="{FF2B5EF4-FFF2-40B4-BE49-F238E27FC236}">
-              <a16:creationId xmlns:a16="http://schemas.microsoft.com/office/drawing/2014/main" id="{F49DB719-8AD4-4CE7-D65F-475128E3FBB8}"/>
-            </a:ext>
-          </a:extLst>
-        </p:cNvPr>
-        <p:cNvGrpSpPr/>
-        <p:nvPr/>
-      </p:nvGrpSpPr>
-      <p:grpSpPr>
-        <a:xfrm>
-          <a:off x="0" y="0"/>
-          <a:ext cx="0" cy="0"/>
-          <a:chOff x="0" y="0"/>
-          <a:chExt cx="0" cy="0"/>
-        </a:xfrm>
-      </p:grpSpPr>
-      <p:sp>
-        <p:nvSpPr>
-          <p:cNvPr id="4" name="Zástupný objekt pre obsah 3">
-            <a:extLst>
-              <a:ext uri="{FF2B5EF4-FFF2-40B4-BE49-F238E27FC236}">
-                <a16:creationId xmlns:a16="http://schemas.microsoft.com/office/drawing/2014/main" id="{DCBA214B-CD6B-90B6-D5F7-0DE08E8EAAFC}"/>
-              </a:ext>
-            </a:extLst>
-          </p:cNvPr>
-          <p:cNvSpPr>
-            <a:spLocks noGrp="1"/>
-          </p:cNvSpPr>
-          <p:nvPr>
-            <p:ph idx="1"/>
-          </p:nvPr>
-        </p:nvSpPr>
-        <p:spPr/>
-        <p:txBody>
-          <a:bodyPr/>
-          <a:lstStyle/>
-          <a:p>
-            <a:endParaRPr lang="sk-SK"/>
-          </a:p>
-        </p:txBody>
-      </p:sp>
-      <p:sp>
-        <p:nvSpPr>
-          <p:cNvPr id="7" name="Nadpis 6">
-            <a:extLst>
-              <a:ext uri="{FF2B5EF4-FFF2-40B4-BE49-F238E27FC236}">
-                <a16:creationId xmlns:a16="http://schemas.microsoft.com/office/drawing/2014/main" id="{5B20DF76-22D5-1953-2F37-49C53B4C7D6B}"/>
-              </a:ext>
-            </a:extLst>
-          </p:cNvPr>
-          <p:cNvSpPr>
-            <a:spLocks noGrp="1"/>
-          </p:cNvSpPr>
-          <p:nvPr>
-            <p:ph type="title"/>
-          </p:nvPr>
-        </p:nvSpPr>
-        <p:spPr/>
-        <p:txBody>
-          <a:bodyPr/>
-          <a:lstStyle/>
-          <a:p>
-            <a:endParaRPr lang="sk-SK"/>
-          </a:p>
-        </p:txBody>
-      </p:sp>
-      <p:pic>
-        <p:nvPicPr>
-          <p:cNvPr id="9" name="Obrázok 8">
-            <a:extLst>
-              <a:ext uri="{FF2B5EF4-FFF2-40B4-BE49-F238E27FC236}">
-                <a16:creationId xmlns:a16="http://schemas.microsoft.com/office/drawing/2014/main" id="{7C0E4462-8686-76B8-54A2-54265351398E}"/>
-              </a:ext>
-            </a:extLst>
-          </p:cNvPr>
-          <p:cNvPicPr>
-            <a:picLocks noChangeAspect="1"/>
-          </p:cNvPicPr>
-          <p:nvPr/>
-        </p:nvPicPr>
-        <p:blipFill>
-          <a:blip r:embed="rId2"/>
-          <a:stretch>
-            <a:fillRect/>
-          </a:stretch>
-        </p:blipFill>
-        <p:spPr>
-          <a:xfrm>
-            <a:off x="3631256" y="365125"/>
-            <a:ext cx="4166265" cy="5941526"/>
-          </a:xfrm>
-          <a:prstGeom prst="rect">
-            <a:avLst/>
-          </a:prstGeom>
-        </p:spPr>
-      </p:pic>
-    </p:spTree>
-    <p:extLst>
-      <p:ext uri="{BB962C8B-B14F-4D97-AF65-F5344CB8AC3E}">
-        <p14:creationId xmlns:p14="http://schemas.microsoft.com/office/powerpoint/2010/main" val="3126804121"/>
-      </p:ext>
-    </p:extLst>
-  </p:cSld>
-  <p:clrMapOvr>
-    <a:masterClrMapping/>
-  </p:clrMapOvr>
-</p:sld>
-</file>
-
-<file path=ppt/slides/slide9.xml><?xml version="1.0" encoding="utf-8"?>
-<p:sld xmlns:a="http://schemas.openxmlformats.org/drawingml/2006/main" xmlns:r="http://schemas.openxmlformats.org/officeDocument/2006/relationships" xmlns:p="http://schemas.openxmlformats.org/presentationml/2006/main">
-  <p:cSld>
-    <p:bg>
-      <p:bgPr>
-        <a:solidFill>
-          <a:schemeClr val="bg1"/>
-        </a:solidFill>
-        <a:effectLst/>
-      </p:bgPr>
-    </p:bg>
-    <p:spTree>
-      <p:nvGrpSpPr>
-        <p:cNvPr id="1" name="">
-          <a:extLst>
-            <a:ext uri="{FF2B5EF4-FFF2-40B4-BE49-F238E27FC236}">
-              <a16:creationId xmlns:a16="http://schemas.microsoft.com/office/drawing/2014/main" id="{B53F31DB-5838-DE6C-9574-F1645EA22F2D}"/>
-            </a:ext>
-          </a:extLst>
-        </p:cNvPr>
-        <p:cNvGrpSpPr/>
-        <p:nvPr/>
-      </p:nvGrpSpPr>
-      <p:grpSpPr>
-        <a:xfrm>
-          <a:off x="0" y="0"/>
-          <a:ext cx="0" cy="0"/>
-          <a:chOff x="0" y="0"/>
-          <a:chExt cx="0" cy="0"/>
-        </a:xfrm>
-      </p:grpSpPr>
-      <p:sp>
-        <p:nvSpPr>
-          <p:cNvPr id="3" name="Zástupný objekt pre obsah 2">
-            <a:extLst>
-              <a:ext uri="{FF2B5EF4-FFF2-40B4-BE49-F238E27FC236}">
-                <a16:creationId xmlns:a16="http://schemas.microsoft.com/office/drawing/2014/main" id="{DB982F48-1B1A-BF43-4962-7BB1F0F06A0E}"/>
-              </a:ext>
-            </a:extLst>
-          </p:cNvPr>
-          <p:cNvSpPr>
-            <a:spLocks noGrp="1"/>
-          </p:cNvSpPr>
-          <p:nvPr>
-            <p:ph idx="1"/>
-          </p:nvPr>
-        </p:nvSpPr>
-        <p:spPr>
-          <a:xfrm>
-            <a:off x="274320" y="1516550"/>
-            <a:ext cx="11759184" cy="4847673"/>
-          </a:xfrm>
-        </p:spPr>
-        <p:txBody>
-          <a:bodyPr>
-            <a:noAutofit/>
-          </a:bodyPr>
-          <a:lstStyle/>
-          <a:p>
-            <a:pPr marL="0" indent="0">
-              <a:buNone/>
-            </a:pPr>
-            <a:r>
-              <a:rPr lang="sk-SK" dirty="0"/>
-              <a:t>Vytvorte novú triedu </a:t>
-            </a:r>
-            <a:r>
-              <a:rPr lang="sk-SK" sz="2400" dirty="0" err="1">
-                <a:highlight>
-                  <a:srgbClr val="FFFF00"/>
-                </a:highlight>
-                <a:latin typeface="Consolas" panose="020B0609020204030204" pitchFamily="49" charset="0"/>
-              </a:rPr>
-              <a:t>sk.spse.hangman.TextoveUI</a:t>
-            </a:r>
-            <a:r>
-              <a:rPr lang="sk-SK" dirty="0"/>
-              <a:t>:</a:t>
-            </a:r>
-          </a:p>
-          <a:p>
-            <a:pPr marL="0" indent="0">
-              <a:buNone/>
-            </a:pPr>
-            <a:endParaRPr lang="sk-SK" dirty="0"/>
-          </a:p>
-          <a:p>
-            <a:pPr marL="0" indent="0">
-              <a:lnSpc>
-                <a:spcPct val="100000"/>
-              </a:lnSpc>
-              <a:spcBef>
-                <a:spcPts val="0"/>
-              </a:spcBef>
-              <a:buNone/>
-            </a:pPr>
-            <a:r>
-              <a:rPr lang="sk-SK" sz="2400" dirty="0" err="1">
-                <a:highlight>
-                  <a:srgbClr val="FFFF00"/>
-                </a:highlight>
-                <a:latin typeface="Consolas" panose="020B0609020204030204" pitchFamily="49" charset="0"/>
-              </a:rPr>
-              <a:t>package</a:t>
-            </a:r>
-            <a:r>
-              <a:rPr lang="sk-SK" sz="2400" dirty="0">
-                <a:highlight>
-                  <a:srgbClr val="FFFF00"/>
-                </a:highlight>
-                <a:latin typeface="Consolas" panose="020B0609020204030204" pitchFamily="49" charset="0"/>
-              </a:rPr>
-              <a:t> </a:t>
-            </a:r>
-            <a:r>
-              <a:rPr lang="sk-SK" sz="2400" dirty="0" err="1">
-                <a:highlight>
-                  <a:srgbClr val="FFFF00"/>
-                </a:highlight>
-                <a:latin typeface="Consolas" panose="020B0609020204030204" pitchFamily="49" charset="0"/>
-              </a:rPr>
-              <a:t>sk.spse.hangman</a:t>
-            </a:r>
-            <a:r>
-              <a:rPr lang="sk-SK" sz="2400" dirty="0">
-                <a:highlight>
-                  <a:srgbClr val="FFFF00"/>
-                </a:highlight>
-                <a:latin typeface="Consolas" panose="020B0609020204030204" pitchFamily="49" charset="0"/>
-              </a:rPr>
-              <a:t>;</a:t>
-            </a:r>
-          </a:p>
-          <a:p>
-            <a:pPr marL="0" indent="0">
-              <a:lnSpc>
-                <a:spcPct val="100000"/>
-              </a:lnSpc>
-              <a:spcBef>
-                <a:spcPts val="0"/>
-              </a:spcBef>
-              <a:buNone/>
-            </a:pPr>
-            <a:endParaRPr lang="sk-SK" sz="2400" dirty="0">
-              <a:highlight>
-                <a:srgbClr val="FFFF00"/>
-              </a:highlight>
-              <a:latin typeface="Consolas" panose="020B0609020204030204" pitchFamily="49" charset="0"/>
-            </a:endParaRPr>
-          </a:p>
-          <a:p>
-            <a:pPr marL="0" indent="0">
-              <a:lnSpc>
-                <a:spcPct val="100000"/>
-              </a:lnSpc>
-              <a:spcBef>
-                <a:spcPts val="0"/>
-              </a:spcBef>
-              <a:buNone/>
-            </a:pPr>
-            <a:r>
-              <a:rPr lang="sk-SK" sz="2400" dirty="0">
-                <a:highlight>
-                  <a:srgbClr val="FFFF00"/>
-                </a:highlight>
-                <a:latin typeface="Consolas" panose="020B0609020204030204" pitchFamily="49" charset="0"/>
-              </a:rPr>
-              <a:t>import </a:t>
-            </a:r>
-            <a:r>
-              <a:rPr lang="sk-SK" sz="2400" dirty="0" err="1">
-                <a:highlight>
-                  <a:srgbClr val="FFFF00"/>
-                </a:highlight>
-                <a:latin typeface="Consolas" panose="020B0609020204030204" pitchFamily="49" charset="0"/>
-              </a:rPr>
-              <a:t>java.util.Scanner</a:t>
-            </a:r>
-            <a:r>
-              <a:rPr lang="sk-SK" sz="2400" dirty="0">
-                <a:highlight>
-                  <a:srgbClr val="FFFF00"/>
-                </a:highlight>
-                <a:latin typeface="Consolas" panose="020B0609020204030204" pitchFamily="49" charset="0"/>
-              </a:rPr>
-              <a:t>;</a:t>
-            </a:r>
-          </a:p>
-          <a:p>
-            <a:pPr marL="0" indent="0">
-              <a:lnSpc>
-                <a:spcPct val="100000"/>
-              </a:lnSpc>
-              <a:spcBef>
-                <a:spcPts val="0"/>
-              </a:spcBef>
-              <a:buNone/>
-            </a:pPr>
-            <a:endParaRPr lang="sk-SK" sz="2400" dirty="0">
-              <a:highlight>
-                <a:srgbClr val="FFFF00"/>
-              </a:highlight>
-              <a:latin typeface="Consolas" panose="020B0609020204030204" pitchFamily="49" charset="0"/>
-            </a:endParaRPr>
-          </a:p>
-          <a:p>
-            <a:pPr marL="0" indent="0">
-              <a:lnSpc>
-                <a:spcPct val="100000"/>
-              </a:lnSpc>
-              <a:spcBef>
-                <a:spcPts val="0"/>
-              </a:spcBef>
-              <a:buNone/>
-            </a:pPr>
-            <a:r>
-              <a:rPr lang="sk-SK" sz="2400" dirty="0" err="1">
-                <a:highlight>
-                  <a:srgbClr val="FFFF00"/>
-                </a:highlight>
-                <a:latin typeface="Consolas" panose="020B0609020204030204" pitchFamily="49" charset="0"/>
-              </a:rPr>
-              <a:t>public</a:t>
-            </a:r>
-            <a:r>
-              <a:rPr lang="sk-SK" sz="2400" dirty="0">
-                <a:highlight>
-                  <a:srgbClr val="FFFF00"/>
-                </a:highlight>
-                <a:latin typeface="Consolas" panose="020B0609020204030204" pitchFamily="49" charset="0"/>
-              </a:rPr>
-              <a:t> </a:t>
-            </a:r>
-            <a:r>
-              <a:rPr lang="sk-SK" sz="2400" dirty="0" err="1">
-                <a:highlight>
-                  <a:srgbClr val="FFFF00"/>
-                </a:highlight>
-                <a:latin typeface="Consolas" panose="020B0609020204030204" pitchFamily="49" charset="0"/>
-              </a:rPr>
-              <a:t>class</a:t>
-            </a:r>
-            <a:r>
-              <a:rPr lang="sk-SK" sz="2400" dirty="0">
-                <a:highlight>
-                  <a:srgbClr val="FFFF00"/>
-                </a:highlight>
-                <a:latin typeface="Consolas" panose="020B0609020204030204" pitchFamily="49" charset="0"/>
-              </a:rPr>
-              <a:t> </a:t>
-            </a:r>
-            <a:r>
-              <a:rPr lang="sk-SK" sz="2400" dirty="0" err="1">
-                <a:highlight>
-                  <a:srgbClr val="FFFF00"/>
-                </a:highlight>
-                <a:latin typeface="Consolas" panose="020B0609020204030204" pitchFamily="49" charset="0"/>
-              </a:rPr>
-              <a:t>TextoveUI</a:t>
-            </a:r>
-            <a:r>
-              <a:rPr lang="sk-SK" sz="2400" dirty="0">
-                <a:highlight>
-                  <a:srgbClr val="FFFF00"/>
-                </a:highlight>
-                <a:latin typeface="Consolas" panose="020B0609020204030204" pitchFamily="49" charset="0"/>
-              </a:rPr>
-              <a:t> {</a:t>
-            </a:r>
-          </a:p>
-          <a:p>
-            <a:pPr marL="0" indent="0">
-              <a:lnSpc>
-                <a:spcPct val="100000"/>
-              </a:lnSpc>
-              <a:spcBef>
-                <a:spcPts val="0"/>
-              </a:spcBef>
-              <a:buNone/>
-            </a:pPr>
-            <a:r>
-              <a:rPr lang="sk-SK" sz="2400" dirty="0">
-                <a:highlight>
-                  <a:srgbClr val="FFFF00"/>
-                </a:highlight>
-                <a:latin typeface="Consolas" panose="020B0609020204030204" pitchFamily="49" charset="0"/>
-              </a:rPr>
-              <a:t>    </a:t>
-            </a:r>
-            <a:r>
-              <a:rPr lang="sk-SK" sz="2400" dirty="0" err="1">
-                <a:highlight>
-                  <a:srgbClr val="FFFF00"/>
-                </a:highlight>
-                <a:latin typeface="Consolas" panose="020B0609020204030204" pitchFamily="49" charset="0"/>
-              </a:rPr>
-              <a:t>private</a:t>
-            </a:r>
-            <a:r>
-              <a:rPr lang="sk-SK" sz="2400" dirty="0">
-                <a:highlight>
-                  <a:srgbClr val="FFFF00"/>
-                </a:highlight>
-                <a:latin typeface="Consolas" panose="020B0609020204030204" pitchFamily="49" charset="0"/>
-              </a:rPr>
-              <a:t> </a:t>
-            </a:r>
-            <a:r>
-              <a:rPr lang="sk-SK" sz="2400" dirty="0" err="1">
-                <a:highlight>
-                  <a:srgbClr val="FFFF00"/>
-                </a:highlight>
-                <a:latin typeface="Consolas" panose="020B0609020204030204" pitchFamily="49" charset="0"/>
-              </a:rPr>
-              <a:t>Scanner</a:t>
-            </a:r>
-            <a:r>
-              <a:rPr lang="sk-SK" sz="2400" dirty="0">
-                <a:highlight>
-                  <a:srgbClr val="FFFF00"/>
-                </a:highlight>
-                <a:latin typeface="Consolas" panose="020B0609020204030204" pitchFamily="49" charset="0"/>
-              </a:rPr>
-              <a:t> </a:t>
-            </a:r>
-            <a:r>
-              <a:rPr lang="sk-SK" sz="2400" dirty="0" err="1">
-                <a:highlight>
-                  <a:srgbClr val="FFFF00"/>
-                </a:highlight>
-                <a:latin typeface="Consolas" panose="020B0609020204030204" pitchFamily="49" charset="0"/>
-              </a:rPr>
-              <a:t>scanner</a:t>
-            </a:r>
-            <a:r>
-              <a:rPr lang="sk-SK" sz="2400" dirty="0">
-                <a:highlight>
-                  <a:srgbClr val="FFFF00"/>
-                </a:highlight>
-                <a:latin typeface="Consolas" panose="020B0609020204030204" pitchFamily="49" charset="0"/>
-              </a:rPr>
-              <a:t>;</a:t>
-            </a:r>
-          </a:p>
-          <a:p>
-            <a:pPr marL="0" indent="0">
-              <a:lnSpc>
-                <a:spcPct val="100000"/>
-              </a:lnSpc>
-              <a:spcBef>
-                <a:spcPts val="0"/>
-              </a:spcBef>
-              <a:buNone/>
-            </a:pPr>
-            <a:endParaRPr lang="sk-SK" sz="2400" dirty="0">
-              <a:highlight>
-                <a:srgbClr val="FFFF00"/>
-              </a:highlight>
-              <a:latin typeface="Consolas" panose="020B0609020204030204" pitchFamily="49" charset="0"/>
-            </a:endParaRPr>
-          </a:p>
-          <a:p>
-            <a:pPr marL="0" indent="0">
-              <a:lnSpc>
-                <a:spcPct val="100000"/>
-              </a:lnSpc>
-              <a:spcBef>
-                <a:spcPts val="0"/>
-              </a:spcBef>
-              <a:buNone/>
-            </a:pPr>
-            <a:r>
-              <a:rPr lang="sk-SK" sz="2400" dirty="0">
-                <a:highlight>
-                  <a:srgbClr val="FFFF00"/>
-                </a:highlight>
-                <a:latin typeface="Consolas" panose="020B0609020204030204" pitchFamily="49" charset="0"/>
-              </a:rPr>
-              <a:t>    </a:t>
-            </a:r>
-            <a:r>
-              <a:rPr lang="sk-SK" sz="2400" dirty="0" err="1">
-                <a:highlight>
-                  <a:srgbClr val="FFFF00"/>
-                </a:highlight>
-                <a:latin typeface="Consolas" panose="020B0609020204030204" pitchFamily="49" charset="0"/>
-              </a:rPr>
-              <a:t>public</a:t>
-            </a:r>
-            <a:r>
-              <a:rPr lang="sk-SK" sz="2400" dirty="0">
-                <a:highlight>
-                  <a:srgbClr val="FFFF00"/>
-                </a:highlight>
-                <a:latin typeface="Consolas" panose="020B0609020204030204" pitchFamily="49" charset="0"/>
-              </a:rPr>
-              <a:t> </a:t>
-            </a:r>
-            <a:r>
-              <a:rPr lang="sk-SK" sz="2400" dirty="0" err="1">
-                <a:highlight>
-                  <a:srgbClr val="FFFF00"/>
-                </a:highlight>
-                <a:latin typeface="Consolas" panose="020B0609020204030204" pitchFamily="49" charset="0"/>
-              </a:rPr>
-              <a:t>TextoveUI</a:t>
-            </a:r>
-            <a:r>
-              <a:rPr lang="sk-SK" sz="2400" dirty="0">
-                <a:highlight>
-                  <a:srgbClr val="FFFF00"/>
-                </a:highlight>
-                <a:latin typeface="Consolas" panose="020B0609020204030204" pitchFamily="49" charset="0"/>
-              </a:rPr>
-              <a:t>() {</a:t>
-            </a:r>
-          </a:p>
-          <a:p>
-            <a:pPr marL="0" indent="0">
-              <a:lnSpc>
-                <a:spcPct val="100000"/>
-              </a:lnSpc>
-              <a:spcBef>
-                <a:spcPts val="0"/>
-              </a:spcBef>
-              <a:buNone/>
-            </a:pPr>
-            <a:r>
-              <a:rPr lang="sk-SK" sz="2400" dirty="0">
-                <a:highlight>
-                  <a:srgbClr val="FFFF00"/>
-                </a:highlight>
-                <a:latin typeface="Consolas" panose="020B0609020204030204" pitchFamily="49" charset="0"/>
-              </a:rPr>
-              <a:t>        </a:t>
-            </a:r>
-            <a:r>
-              <a:rPr lang="sk-SK" sz="2400" dirty="0" err="1">
-                <a:highlight>
-                  <a:srgbClr val="FFFF00"/>
-                </a:highlight>
-                <a:latin typeface="Consolas" panose="020B0609020204030204" pitchFamily="49" charset="0"/>
-              </a:rPr>
-              <a:t>this.scanner</a:t>
-            </a:r>
-            <a:r>
-              <a:rPr lang="sk-SK" sz="2400" dirty="0">
-                <a:highlight>
-                  <a:srgbClr val="FFFF00"/>
-                </a:highlight>
-                <a:latin typeface="Consolas" panose="020B0609020204030204" pitchFamily="49" charset="0"/>
-              </a:rPr>
-              <a:t> = new </a:t>
-            </a:r>
-            <a:r>
-              <a:rPr lang="sk-SK" sz="2400" dirty="0" err="1">
-                <a:highlight>
-                  <a:srgbClr val="FFFF00"/>
-                </a:highlight>
-                <a:latin typeface="Consolas" panose="020B0609020204030204" pitchFamily="49" charset="0"/>
-              </a:rPr>
-              <a:t>Scanner</a:t>
-            </a:r>
-            <a:r>
-              <a:rPr lang="sk-SK" sz="2400" dirty="0">
-                <a:highlight>
-                  <a:srgbClr val="FFFF00"/>
-                </a:highlight>
-                <a:latin typeface="Consolas" panose="020B0609020204030204" pitchFamily="49" charset="0"/>
-              </a:rPr>
-              <a:t>(System.in);</a:t>
-            </a:r>
-          </a:p>
-          <a:p>
-            <a:pPr marL="0" indent="0">
-              <a:lnSpc>
-                <a:spcPct val="100000"/>
-              </a:lnSpc>
-              <a:spcBef>
-                <a:spcPts val="0"/>
-              </a:spcBef>
-              <a:buNone/>
-            </a:pPr>
-            <a:r>
-              <a:rPr lang="sk-SK" sz="2400" dirty="0">
-                <a:highlight>
-                  <a:srgbClr val="FFFF00"/>
-                </a:highlight>
-                <a:latin typeface="Consolas" panose="020B0609020204030204" pitchFamily="49" charset="0"/>
-              </a:rPr>
-              <a:t>    }</a:t>
-            </a:r>
-          </a:p>
-          <a:p>
-            <a:pPr marL="0" indent="0">
-              <a:lnSpc>
-                <a:spcPct val="100000"/>
-              </a:lnSpc>
-              <a:spcBef>
-                <a:spcPts val="0"/>
-              </a:spcBef>
-              <a:buNone/>
-            </a:pPr>
-            <a:r>
-              <a:rPr lang="sk-SK" sz="2400" dirty="0">
-                <a:highlight>
-                  <a:srgbClr val="FFFF00"/>
-                </a:highlight>
-                <a:latin typeface="Consolas" panose="020B0609020204030204" pitchFamily="49" charset="0"/>
-              </a:rPr>
-              <a:t>}</a:t>
-            </a:r>
-          </a:p>
-        </p:txBody>
-      </p:sp>
-      <p:sp>
-        <p:nvSpPr>
-          <p:cNvPr id="5" name="Nadpis 4">
-            <a:extLst>
-              <a:ext uri="{FF2B5EF4-FFF2-40B4-BE49-F238E27FC236}">
-                <a16:creationId xmlns:a16="http://schemas.microsoft.com/office/drawing/2014/main" id="{427C037D-C4C8-0DAF-3BD6-95899342D12B}"/>
-              </a:ext>
-            </a:extLst>
-          </p:cNvPr>
-          <p:cNvSpPr>
-            <a:spLocks noGrp="1"/>
-          </p:cNvSpPr>
-          <p:nvPr>
-            <p:ph type="title"/>
-          </p:nvPr>
-        </p:nvSpPr>
-        <p:spPr/>
-        <p:txBody>
-          <a:bodyPr>
-            <a:normAutofit/>
-          </a:bodyPr>
-          <a:lstStyle/>
-          <a:p>
-            <a:r>
-              <a:rPr lang="sk-SK" dirty="0"/>
-              <a:t>Úloha 7.5: Trieda </a:t>
-            </a:r>
-            <a:r>
-              <a:rPr lang="sk-SK" dirty="0" err="1"/>
-              <a:t>TextoveUI</a:t>
-            </a:r>
-            <a:endParaRPr lang="sk-SK" dirty="0"/>
-          </a:p>
-        </p:txBody>
-      </p:sp>
-    </p:spTree>
-    <p:extLst>
-      <p:ext uri="{BB962C8B-B14F-4D97-AF65-F5344CB8AC3E}">
-        <p14:creationId xmlns:p14="http://schemas.microsoft.com/office/powerpoint/2010/main" val="1772932859"/>
       </p:ext>
     </p:extLst>
   </p:cSld>

--- a/prezentacie/c07w.pptx
+++ b/prezentacie/c07w.pptx
@@ -250,7 +250,7 @@
           <a:p>
             <a:fld id="{10052495-8BC8-4CFB-94B1-B0429F101A0D}" type="datetimeFigureOut">
               <a:rPr lang="sk-SK" smtClean="0"/>
-              <a:t>23. 10. 2025</a:t>
+              <a:t>27. 10. 2025</a:t>
             </a:fld>
             <a:endParaRPr lang="sk-SK"/>
           </a:p>
@@ -420,7 +420,7 @@
           <a:p>
             <a:fld id="{10052495-8BC8-4CFB-94B1-B0429F101A0D}" type="datetimeFigureOut">
               <a:rPr lang="sk-SK" smtClean="0"/>
-              <a:t>23. 10. 2025</a:t>
+              <a:t>27. 10. 2025</a:t>
             </a:fld>
             <a:endParaRPr lang="sk-SK"/>
           </a:p>
@@ -600,7 +600,7 @@
           <a:p>
             <a:fld id="{10052495-8BC8-4CFB-94B1-B0429F101A0D}" type="datetimeFigureOut">
               <a:rPr lang="sk-SK" smtClean="0"/>
-              <a:t>23. 10. 2025</a:t>
+              <a:t>27. 10. 2025</a:t>
             </a:fld>
             <a:endParaRPr lang="sk-SK"/>
           </a:p>
@@ -770,7 +770,7 @@
           <a:p>
             <a:fld id="{10052495-8BC8-4CFB-94B1-B0429F101A0D}" type="datetimeFigureOut">
               <a:rPr lang="sk-SK" smtClean="0"/>
-              <a:t>23. 10. 2025</a:t>
+              <a:t>27. 10. 2025</a:t>
             </a:fld>
             <a:endParaRPr lang="sk-SK"/>
           </a:p>
@@ -1016,7 +1016,7 @@
           <a:p>
             <a:fld id="{10052495-8BC8-4CFB-94B1-B0429F101A0D}" type="datetimeFigureOut">
               <a:rPr lang="sk-SK" smtClean="0"/>
-              <a:t>23. 10. 2025</a:t>
+              <a:t>27. 10. 2025</a:t>
             </a:fld>
             <a:endParaRPr lang="sk-SK"/>
           </a:p>
@@ -1248,7 +1248,7 @@
           <a:p>
             <a:fld id="{10052495-8BC8-4CFB-94B1-B0429F101A0D}" type="datetimeFigureOut">
               <a:rPr lang="sk-SK" smtClean="0"/>
-              <a:t>23. 10. 2025</a:t>
+              <a:t>27. 10. 2025</a:t>
             </a:fld>
             <a:endParaRPr lang="sk-SK"/>
           </a:p>
@@ -1615,7 +1615,7 @@
           <a:p>
             <a:fld id="{10052495-8BC8-4CFB-94B1-B0429F101A0D}" type="datetimeFigureOut">
               <a:rPr lang="sk-SK" smtClean="0"/>
-              <a:t>23. 10. 2025</a:t>
+              <a:t>27. 10. 2025</a:t>
             </a:fld>
             <a:endParaRPr lang="sk-SK"/>
           </a:p>
@@ -1733,7 +1733,7 @@
           <a:p>
             <a:fld id="{10052495-8BC8-4CFB-94B1-B0429F101A0D}" type="datetimeFigureOut">
               <a:rPr lang="sk-SK" smtClean="0"/>
-              <a:t>23. 10. 2025</a:t>
+              <a:t>27. 10. 2025</a:t>
             </a:fld>
             <a:endParaRPr lang="sk-SK"/>
           </a:p>
@@ -1828,7 +1828,7 @@
           <a:p>
             <a:fld id="{10052495-8BC8-4CFB-94B1-B0429F101A0D}" type="datetimeFigureOut">
               <a:rPr lang="sk-SK" smtClean="0"/>
-              <a:t>23. 10. 2025</a:t>
+              <a:t>27. 10. 2025</a:t>
             </a:fld>
             <a:endParaRPr lang="sk-SK"/>
           </a:p>
@@ -2105,7 +2105,7 @@
           <a:p>
             <a:fld id="{10052495-8BC8-4CFB-94B1-B0429F101A0D}" type="datetimeFigureOut">
               <a:rPr lang="sk-SK" smtClean="0"/>
-              <a:t>23. 10. 2025</a:t>
+              <a:t>27. 10. 2025</a:t>
             </a:fld>
             <a:endParaRPr lang="sk-SK"/>
           </a:p>
@@ -2362,7 +2362,7 @@
           <a:p>
             <a:fld id="{10052495-8BC8-4CFB-94B1-B0429F101A0D}" type="datetimeFigureOut">
               <a:rPr lang="sk-SK" smtClean="0"/>
-              <a:t>23. 10. 2025</a:t>
+              <a:t>27. 10. 2025</a:t>
             </a:fld>
             <a:endParaRPr lang="sk-SK"/>
           </a:p>
@@ -2575,7 +2575,7 @@
           <a:p>
             <a:fld id="{10052495-8BC8-4CFB-94B1-B0429F101A0D}" type="datetimeFigureOut">
               <a:rPr lang="sk-SK" smtClean="0"/>
-              <a:t>23. 10. 2025</a:t>
+              <a:t>27. 10. 2025</a:t>
             </a:fld>
             <a:endParaRPr lang="sk-SK"/>
           </a:p>
@@ -4793,11 +4793,6 @@
               <a:rPr lang="sk-SK" dirty="0"/>
               <a:t> a konštruktor, ktorý nastaví atribúty</a:t>
             </a:r>
-            <a:r>
-              <a:rPr lang="en-US" dirty="0"/>
-              <a:t>/</a:t>
-            </a:r>
-            <a:endParaRPr lang="sk-SK" dirty="0"/>
           </a:p>
         </p:txBody>
       </p:sp>
@@ -4886,7 +4881,15 @@
             </a:r>
             <a:r>
               <a:rPr lang="sk-SK" dirty="0"/>
-              <a:t> atribúty</a:t>
+              <a:t> </a:t>
+            </a:r>
+            <a:r>
+              <a:rPr lang="en-US" dirty="0"/>
+              <a:t>met</a:t>
+            </a:r>
+            <a:r>
+              <a:rPr lang="sk-SK" dirty="0"/>
+              <a:t>ódy</a:t>
             </a:r>
           </a:p>
         </p:txBody>
